--- a/doc/intro_screen/ANIMATIONCOLAB.pptx
+++ b/doc/intro_screen/ANIMATIONCOLAB.pptx
@@ -10,6 +10,9 @@
     <p:sldId id="260" r:id="rId4"/>
     <p:sldId id="257" r:id="rId5"/>
     <p:sldId id="258" r:id="rId6"/>
+    <p:sldId id="262" r:id="rId7"/>
+    <p:sldId id="263" r:id="rId8"/>
+    <p:sldId id="264" r:id="rId9"/>
   </p:sldIdLst>
   <p:sldSz cx="12192000" cy="6858000"/>
   <p:notesSz cx="6858000" cy="9144000"/>
@@ -263,7 +266,7 @@
           <a:p>
             <a:fld id="{C1441830-95DA-9748-975D-E94324B89D2B}" type="datetimeFigureOut">
               <a:rPr lang="en-US" smtClean="0"/>
-              <a:t>7/11/23</a:t>
+              <a:t>7/14/23</a:t>
             </a:fld>
             <a:endParaRPr lang="en-US"/>
           </a:p>
@@ -461,7 +464,7 @@
           <a:p>
             <a:fld id="{C1441830-95DA-9748-975D-E94324B89D2B}" type="datetimeFigureOut">
               <a:rPr lang="en-US" smtClean="0"/>
-              <a:t>7/11/23</a:t>
+              <a:t>7/14/23</a:t>
             </a:fld>
             <a:endParaRPr lang="en-US"/>
           </a:p>
@@ -669,7 +672,7 @@
           <a:p>
             <a:fld id="{C1441830-95DA-9748-975D-E94324B89D2B}" type="datetimeFigureOut">
               <a:rPr lang="en-US" smtClean="0"/>
-              <a:t>7/11/23</a:t>
+              <a:t>7/14/23</a:t>
             </a:fld>
             <a:endParaRPr lang="en-US"/>
           </a:p>
@@ -867,7 +870,7 @@
           <a:p>
             <a:fld id="{C1441830-95DA-9748-975D-E94324B89D2B}" type="datetimeFigureOut">
               <a:rPr lang="en-US" smtClean="0"/>
-              <a:t>7/11/23</a:t>
+              <a:t>7/14/23</a:t>
             </a:fld>
             <a:endParaRPr lang="en-US"/>
           </a:p>
@@ -1142,7 +1145,7 @@
           <a:p>
             <a:fld id="{C1441830-95DA-9748-975D-E94324B89D2B}" type="datetimeFigureOut">
               <a:rPr lang="en-US" smtClean="0"/>
-              <a:t>7/11/23</a:t>
+              <a:t>7/14/23</a:t>
             </a:fld>
             <a:endParaRPr lang="en-US"/>
           </a:p>
@@ -1407,7 +1410,7 @@
           <a:p>
             <a:fld id="{C1441830-95DA-9748-975D-E94324B89D2B}" type="datetimeFigureOut">
               <a:rPr lang="en-US" smtClean="0"/>
-              <a:t>7/11/23</a:t>
+              <a:t>7/14/23</a:t>
             </a:fld>
             <a:endParaRPr lang="en-US"/>
           </a:p>
@@ -1819,7 +1822,7 @@
           <a:p>
             <a:fld id="{C1441830-95DA-9748-975D-E94324B89D2B}" type="datetimeFigureOut">
               <a:rPr lang="en-US" smtClean="0"/>
-              <a:t>7/11/23</a:t>
+              <a:t>7/14/23</a:t>
             </a:fld>
             <a:endParaRPr lang="en-US"/>
           </a:p>
@@ -1960,7 +1963,7 @@
           <a:p>
             <a:fld id="{C1441830-95DA-9748-975D-E94324B89D2B}" type="datetimeFigureOut">
               <a:rPr lang="en-US" smtClean="0"/>
-              <a:t>7/11/23</a:t>
+              <a:t>7/14/23</a:t>
             </a:fld>
             <a:endParaRPr lang="en-US"/>
           </a:p>
@@ -2073,7 +2076,7 @@
           <a:p>
             <a:fld id="{C1441830-95DA-9748-975D-E94324B89D2B}" type="datetimeFigureOut">
               <a:rPr lang="en-US" smtClean="0"/>
-              <a:t>7/11/23</a:t>
+              <a:t>7/14/23</a:t>
             </a:fld>
             <a:endParaRPr lang="en-US"/>
           </a:p>
@@ -2384,7 +2387,7 @@
           <a:p>
             <a:fld id="{C1441830-95DA-9748-975D-E94324B89D2B}" type="datetimeFigureOut">
               <a:rPr lang="en-US" smtClean="0"/>
-              <a:t>7/11/23</a:t>
+              <a:t>7/14/23</a:t>
             </a:fld>
             <a:endParaRPr lang="en-US"/>
           </a:p>
@@ -2672,7 +2675,7 @@
           <a:p>
             <a:fld id="{C1441830-95DA-9748-975D-E94324B89D2B}" type="datetimeFigureOut">
               <a:rPr lang="en-US" smtClean="0"/>
-              <a:t>7/11/23</a:t>
+              <a:t>7/14/23</a:t>
             </a:fld>
             <a:endParaRPr lang="en-US"/>
           </a:p>
@@ -2913,7 +2916,7 @@
           <a:p>
             <a:fld id="{C1441830-95DA-9748-975D-E94324B89D2B}" type="datetimeFigureOut">
               <a:rPr lang="en-US" smtClean="0"/>
-              <a:t>7/11/23</a:t>
+              <a:t>7/14/23</a:t>
             </a:fld>
             <a:endParaRPr lang="en-US"/>
           </a:p>
@@ -3401,43 +3404,13 @@
           </a:p>
         </p:txBody>
       </p:sp>
-      <p:pic>
-        <p:nvPicPr>
-          <p:cNvPr id="4" name="Picture 3" descr="A group of colorful circles on a black background&#10;&#10;Description automatically generated">
-            <a:extLst>
-              <a:ext uri="{FF2B5EF4-FFF2-40B4-BE49-F238E27FC236}">
-                <a16:creationId xmlns:a16="http://schemas.microsoft.com/office/drawing/2014/main" id="{F60AB80A-D2C8-1DE9-D7FB-DA80E1E67BDE}"/>
-              </a:ext>
-            </a:extLst>
-          </p:cNvPr>
-          <p:cNvPicPr>
-            <a:picLocks noChangeAspect="1"/>
-          </p:cNvPicPr>
-          <p:nvPr/>
-        </p:nvPicPr>
-        <p:blipFill>
-          <a:blip r:embed="rId2"/>
-          <a:stretch>
-            <a:fillRect/>
-          </a:stretch>
-        </p:blipFill>
-        <p:spPr>
-          <a:xfrm rot="11428761">
-            <a:off x="1645290" y="1083717"/>
-            <a:ext cx="4085220" cy="4163184"/>
-          </a:xfrm>
-          <a:prstGeom prst="rect">
-            <a:avLst/>
-          </a:prstGeom>
-        </p:spPr>
-      </p:pic>
-      <p:sp>
-        <p:nvSpPr>
-          <p:cNvPr id="6" name="Oval 5">
-            <a:hlinkClick r:id="rId3" action="ppaction://hlinksldjump"/>
-            <a:extLst>
-              <a:ext uri="{FF2B5EF4-FFF2-40B4-BE49-F238E27FC236}">
-                <a16:creationId xmlns:a16="http://schemas.microsoft.com/office/drawing/2014/main" id="{72F4EC1D-3A77-B62A-C246-B19ADBC724FE}"/>
+      <p:sp>
+        <p:nvSpPr>
+          <p:cNvPr id="7" name="Oval 6">
+            <a:hlinkClick r:id="rId2" action="ppaction://hlinksldjump"/>
+            <a:extLst>
+              <a:ext uri="{FF2B5EF4-FFF2-40B4-BE49-F238E27FC236}">
+                <a16:creationId xmlns:a16="http://schemas.microsoft.com/office/drawing/2014/main" id="{6DCC111A-8579-2A5D-1527-93C3CD397A8F}"/>
               </a:ext>
             </a:extLst>
           </p:cNvPr>
@@ -3446,15 +3419,13 @@
         </p:nvSpPr>
         <p:spPr>
           <a:xfrm>
-            <a:off x="3963812" y="4538085"/>
-            <a:ext cx="536905" cy="486874"/>
+            <a:off x="2587465" y="3996648"/>
+            <a:ext cx="270378" cy="285142"/>
           </a:xfrm>
           <a:prstGeom prst="ellipse">
             <a:avLst/>
           </a:prstGeom>
-          <a:solidFill>
-            <a:srgbClr val="E32203"/>
-          </a:solidFill>
+          <a:noFill/>
           <a:ln>
             <a:noFill/>
           </a:ln>
@@ -3480,57 +3451,6 @@
           <a:lstStyle/>
           <a:p>
             <a:pPr algn="ctr"/>
-            <a:endParaRPr lang="en-US" dirty="0"/>
-          </a:p>
-        </p:txBody>
-      </p:sp>
-      <p:sp>
-        <p:nvSpPr>
-          <p:cNvPr id="7" name="Oval 6">
-            <a:hlinkClick r:id="rId4" action="ppaction://hlinksldjump"/>
-            <a:extLst>
-              <a:ext uri="{FF2B5EF4-FFF2-40B4-BE49-F238E27FC236}">
-                <a16:creationId xmlns:a16="http://schemas.microsoft.com/office/drawing/2014/main" id="{6DCC111A-8579-2A5D-1527-93C3CD397A8F}"/>
-              </a:ext>
-            </a:extLst>
-          </p:cNvPr>
-          <p:cNvSpPr/>
-          <p:nvPr/>
-        </p:nvSpPr>
-        <p:spPr>
-          <a:xfrm>
-            <a:off x="2587465" y="3996648"/>
-            <a:ext cx="270378" cy="285142"/>
-          </a:xfrm>
-          <a:prstGeom prst="ellipse">
-            <a:avLst/>
-          </a:prstGeom>
-          <a:noFill/>
-          <a:ln>
-            <a:noFill/>
-          </a:ln>
-        </p:spPr>
-        <p:style>
-          <a:lnRef idx="2">
-            <a:schemeClr val="accent1">
-              <a:shade val="50000"/>
-            </a:schemeClr>
-          </a:lnRef>
-          <a:fillRef idx="1">
-            <a:schemeClr val="accent1"/>
-          </a:fillRef>
-          <a:effectRef idx="0">
-            <a:schemeClr val="accent1"/>
-          </a:effectRef>
-          <a:fontRef idx="minor">
-            <a:schemeClr val="lt1"/>
-          </a:fontRef>
-        </p:style>
-        <p:txBody>
-          <a:bodyPr rtlCol="0" anchor="ctr"/>
-          <a:lstStyle/>
-          <a:p>
-            <a:pPr algn="ctr"/>
             <a:endParaRPr lang="en-US"/>
           </a:p>
         </p:txBody>
@@ -3538,7 +3458,7 @@
       <p:sp>
         <p:nvSpPr>
           <p:cNvPr id="9" name="Oval 8">
-            <a:hlinkClick r:id="rId5" action="ppaction://hlinksldjump" highlightClick="1"/>
+            <a:hlinkClick r:id="rId3" action="ppaction://hlinksldjump" highlightClick="1"/>
             <a:extLst>
               <a:ext uri="{FF2B5EF4-FFF2-40B4-BE49-F238E27FC236}">
                 <a16:creationId xmlns:a16="http://schemas.microsoft.com/office/drawing/2014/main" id="{3BCD712D-C3A4-C927-EE61-864CBAA7015E}"/>
@@ -3681,10 +3601,51 @@
       </p:sp>
       <p:sp>
         <p:nvSpPr>
-          <p:cNvPr id="10" name="Oval 9">
-            <a:extLst>
-              <a:ext uri="{FF2B5EF4-FFF2-40B4-BE49-F238E27FC236}">
-                <a16:creationId xmlns:a16="http://schemas.microsoft.com/office/drawing/2014/main" id="{FB874832-A62F-C4FD-1F11-9DC98619448B}"/>
+          <p:cNvPr id="11" name="TextBox 10">
+            <a:extLst>
+              <a:ext uri="{FF2B5EF4-FFF2-40B4-BE49-F238E27FC236}">
+                <a16:creationId xmlns:a16="http://schemas.microsoft.com/office/drawing/2014/main" id="{5CE0A782-F039-AEAF-0705-F7AE6FBCA6F1}"/>
+              </a:ext>
+            </a:extLst>
+          </p:cNvPr>
+          <p:cNvSpPr txBox="1"/>
+          <p:nvPr/>
+        </p:nvSpPr>
+        <p:spPr>
+          <a:xfrm>
+            <a:off x="8352942" y="4679098"/>
+            <a:ext cx="988584" cy="646331"/>
+          </a:xfrm>
+          <a:prstGeom prst="rect">
+            <a:avLst/>
+          </a:prstGeom>
+          <a:noFill/>
+        </p:spPr>
+        <p:txBody>
+          <a:bodyPr wrap="square" rtlCol="0">
+            <a:spAutoFit/>
+          </a:bodyPr>
+          <a:lstStyle/>
+          <a:p>
+            <a:pPr algn="ctr"/>
+            <a:r>
+              <a:rPr lang="en-US" dirty="0">
+                <a:solidFill>
+                  <a:schemeClr val="bg1"/>
+                </a:solidFill>
+              </a:rPr>
+              <a:t>LEARN MORE</a:t>
+            </a:r>
+          </a:p>
+        </p:txBody>
+      </p:sp>
+      <p:sp>
+        <p:nvSpPr>
+          <p:cNvPr id="6" name="Oval 5">
+            <a:hlinkClick r:id="rId4" action="ppaction://hlinksldjump"/>
+            <a:extLst>
+              <a:ext uri="{FF2B5EF4-FFF2-40B4-BE49-F238E27FC236}">
+                <a16:creationId xmlns:a16="http://schemas.microsoft.com/office/drawing/2014/main" id="{72F4EC1D-3A77-B62A-C246-B19ADBC724FE}"/>
               </a:ext>
             </a:extLst>
           </p:cNvPr>
@@ -3693,7 +3654,90 @@
         </p:nvSpPr>
         <p:spPr>
           <a:xfrm>
-            <a:off x="3535202" y="4283297"/>
+            <a:off x="3963812" y="4538085"/>
+            <a:ext cx="536905" cy="486874"/>
+          </a:xfrm>
+          <a:prstGeom prst="ellipse">
+            <a:avLst/>
+          </a:prstGeom>
+          <a:solidFill>
+            <a:srgbClr val="E32203"/>
+          </a:solidFill>
+          <a:ln>
+            <a:noFill/>
+          </a:ln>
+        </p:spPr>
+        <p:style>
+          <a:lnRef idx="2">
+            <a:schemeClr val="accent1">
+              <a:shade val="50000"/>
+            </a:schemeClr>
+          </a:lnRef>
+          <a:fillRef idx="1">
+            <a:schemeClr val="accent1"/>
+          </a:fillRef>
+          <a:effectRef idx="0">
+            <a:schemeClr val="accent1"/>
+          </a:effectRef>
+          <a:fontRef idx="minor">
+            <a:schemeClr val="lt1"/>
+          </a:fontRef>
+        </p:style>
+        <p:txBody>
+          <a:bodyPr rtlCol="0" anchor="ctr"/>
+          <a:lstStyle/>
+          <a:p>
+            <a:pPr algn="ctr"/>
+            <a:endParaRPr lang="en-US" dirty="0"/>
+          </a:p>
+        </p:txBody>
+      </p:sp>
+      <p:pic>
+        <p:nvPicPr>
+          <p:cNvPr id="3" name="Picture 2" descr="A group of colorful circles on a black background&#10;&#10;Description automatically generated">
+            <a:extLst>
+              <a:ext uri="{FF2B5EF4-FFF2-40B4-BE49-F238E27FC236}">
+                <a16:creationId xmlns:a16="http://schemas.microsoft.com/office/drawing/2014/main" id="{C2839B79-BDA1-CC52-AF86-D5628BCF50CE}"/>
+              </a:ext>
+            </a:extLst>
+          </p:cNvPr>
+          <p:cNvPicPr>
+            <a:picLocks noChangeAspect="1"/>
+          </p:cNvPicPr>
+          <p:nvPr/>
+        </p:nvPicPr>
+        <p:blipFill>
+          <a:blip r:embed="rId5"/>
+          <a:stretch>
+            <a:fillRect/>
+          </a:stretch>
+        </p:blipFill>
+        <p:spPr>
+          <a:xfrm rot="11598472">
+            <a:off x="1509567" y="797224"/>
+            <a:ext cx="4571107" cy="4658342"/>
+          </a:xfrm>
+          <a:prstGeom prst="rect">
+            <a:avLst/>
+          </a:prstGeom>
+        </p:spPr>
+      </p:pic>
+      <p:sp>
+        <p:nvSpPr>
+          <p:cNvPr id="10" name="Oval 9">
+            <a:hlinkClick r:id="rId4" action="ppaction://hlinksldjump"/>
+            <a:extLst>
+              <a:ext uri="{FF2B5EF4-FFF2-40B4-BE49-F238E27FC236}">
+                <a16:creationId xmlns:a16="http://schemas.microsoft.com/office/drawing/2014/main" id="{FB874832-A62F-C4FD-1F11-9DC98619448B}"/>
+              </a:ext>
+            </a:extLst>
+          </p:cNvPr>
+          <p:cNvSpPr/>
+          <p:nvPr/>
+        </p:nvSpPr>
+        <p:spPr>
+          <a:xfrm>
+            <a:off x="3645281" y="4268535"/>
             <a:ext cx="1352880" cy="1365782"/>
           </a:xfrm>
           <a:prstGeom prst="ellipse">
@@ -3735,10 +3779,11 @@
       </p:sp>
       <p:sp>
         <p:nvSpPr>
-          <p:cNvPr id="11" name="TextBox 10">
-            <a:extLst>
-              <a:ext uri="{FF2B5EF4-FFF2-40B4-BE49-F238E27FC236}">
-                <a16:creationId xmlns:a16="http://schemas.microsoft.com/office/drawing/2014/main" id="{5CE0A782-F039-AEAF-0705-F7AE6FBCA6F1}"/>
+          <p:cNvPr id="12" name="TextBox 11">
+            <a:hlinkClick r:id="rId3" action="ppaction://hlinksldjump"/>
+            <a:extLst>
+              <a:ext uri="{FF2B5EF4-FFF2-40B4-BE49-F238E27FC236}">
+                <a16:creationId xmlns:a16="http://schemas.microsoft.com/office/drawing/2014/main" id="{3B61CC7B-7B13-2C38-5CB1-43A189023020}"/>
               </a:ext>
             </a:extLst>
           </p:cNvPr>
@@ -3747,8 +3792,8 @@
         </p:nvSpPr>
         <p:spPr>
           <a:xfrm>
-            <a:off x="8463488" y="4781522"/>
-            <a:ext cx="767491" cy="369332"/>
+            <a:off x="3028973" y="2776170"/>
+            <a:ext cx="1352880" cy="553998"/>
           </a:xfrm>
           <a:prstGeom prst="rect">
             <a:avLst/>
@@ -3761,9 +3806,249 @@
           </a:bodyPr>
           <a:lstStyle/>
           <a:p>
+            <a:pPr algn="ctr"/>
+            <a:r>
+              <a:rPr lang="en-US" sz="3000" dirty="0">
+                <a:solidFill>
+                  <a:schemeClr val="bg1"/>
+                </a:solidFill>
+              </a:rPr>
+              <a:t>LOGIN</a:t>
+            </a:r>
+          </a:p>
+        </p:txBody>
+      </p:sp>
+      <p:sp>
+        <p:nvSpPr>
+          <p:cNvPr id="13" name="Oval 12">
+            <a:hlinkClick r:id="rId6" action="ppaction://hlinksldjump"/>
+            <a:extLst>
+              <a:ext uri="{FF2B5EF4-FFF2-40B4-BE49-F238E27FC236}">
+                <a16:creationId xmlns:a16="http://schemas.microsoft.com/office/drawing/2014/main" id="{9B474AAB-8138-2CC3-0CDF-D24D1ABF4F4E}"/>
+              </a:ext>
+            </a:extLst>
+          </p:cNvPr>
+          <p:cNvSpPr/>
+          <p:nvPr/>
+        </p:nvSpPr>
+        <p:spPr>
+          <a:xfrm>
+            <a:off x="2381250" y="1085850"/>
+            <a:ext cx="1428750" cy="857250"/>
+          </a:xfrm>
+          <a:prstGeom prst="ellipse">
+            <a:avLst/>
+          </a:prstGeom>
+          <a:noFill/>
+          <a:ln>
+            <a:noFill/>
+          </a:ln>
+        </p:spPr>
+        <p:style>
+          <a:lnRef idx="2">
+            <a:schemeClr val="accent1">
+              <a:shade val="50000"/>
+            </a:schemeClr>
+          </a:lnRef>
+          <a:fillRef idx="1">
+            <a:schemeClr val="accent1"/>
+          </a:fillRef>
+          <a:effectRef idx="0">
+            <a:schemeClr val="accent1"/>
+          </a:effectRef>
+          <a:fontRef idx="minor">
+            <a:schemeClr val="lt1"/>
+          </a:fontRef>
+        </p:style>
+        <p:txBody>
+          <a:bodyPr rtlCol="0" anchor="ctr"/>
+          <a:lstStyle/>
+          <a:p>
+            <a:pPr algn="ctr"/>
+            <a:endParaRPr lang="en-US"/>
+          </a:p>
+        </p:txBody>
+      </p:sp>
+      <p:sp>
+        <p:nvSpPr>
+          <p:cNvPr id="14" name="Oval 13">
+            <a:hlinkClick r:id="rId7" action="ppaction://hlinksldjump"/>
+            <a:extLst>
+              <a:ext uri="{FF2B5EF4-FFF2-40B4-BE49-F238E27FC236}">
+                <a16:creationId xmlns:a16="http://schemas.microsoft.com/office/drawing/2014/main" id="{8699374A-EFCD-99F1-A3A9-72BCF6A95DA3}"/>
+              </a:ext>
+            </a:extLst>
+          </p:cNvPr>
+          <p:cNvSpPr/>
+          <p:nvPr/>
+        </p:nvSpPr>
+        <p:spPr>
+          <a:xfrm>
+            <a:off x="4998161" y="1223683"/>
+            <a:ext cx="1326439" cy="1311061"/>
+          </a:xfrm>
+          <a:prstGeom prst="ellipse">
+            <a:avLst/>
+          </a:prstGeom>
+          <a:noFill/>
+          <a:ln>
+            <a:noFill/>
+          </a:ln>
+        </p:spPr>
+        <p:style>
+          <a:lnRef idx="2">
+            <a:schemeClr val="accent1">
+              <a:shade val="50000"/>
+            </a:schemeClr>
+          </a:lnRef>
+          <a:fillRef idx="1">
+            <a:schemeClr val="accent1"/>
+          </a:fillRef>
+          <a:effectRef idx="0">
+            <a:schemeClr val="accent1"/>
+          </a:effectRef>
+          <a:fontRef idx="minor">
+            <a:schemeClr val="lt1"/>
+          </a:fontRef>
+        </p:style>
+        <p:txBody>
+          <a:bodyPr rtlCol="0" anchor="ctr"/>
+          <a:lstStyle/>
+          <a:p>
+            <a:pPr algn="ctr"/>
+            <a:endParaRPr lang="en-US"/>
+          </a:p>
+        </p:txBody>
+      </p:sp>
+      <p:sp>
+        <p:nvSpPr>
+          <p:cNvPr id="15" name="Oval 14">
+            <a:hlinkClick r:id="rId8" action="ppaction://hlinksldjump"/>
+            <a:extLst>
+              <a:ext uri="{FF2B5EF4-FFF2-40B4-BE49-F238E27FC236}">
+                <a16:creationId xmlns:a16="http://schemas.microsoft.com/office/drawing/2014/main" id="{021A1C13-8C0C-1B7E-30C0-252AD5D8A171}"/>
+              </a:ext>
+            </a:extLst>
+          </p:cNvPr>
+          <p:cNvSpPr/>
+          <p:nvPr/>
+        </p:nvSpPr>
+        <p:spPr>
+          <a:xfrm>
+            <a:off x="1766276" y="1938875"/>
+            <a:ext cx="1091567" cy="857249"/>
+          </a:xfrm>
+          <a:prstGeom prst="ellipse">
+            <a:avLst/>
+          </a:prstGeom>
+          <a:noFill/>
+          <a:ln>
+            <a:noFill/>
+          </a:ln>
+        </p:spPr>
+        <p:style>
+          <a:lnRef idx="2">
+            <a:schemeClr val="accent1">
+              <a:shade val="50000"/>
+            </a:schemeClr>
+          </a:lnRef>
+          <a:fillRef idx="1">
+            <a:schemeClr val="accent1"/>
+          </a:fillRef>
+          <a:effectRef idx="0">
+            <a:schemeClr val="accent1"/>
+          </a:effectRef>
+          <a:fontRef idx="minor">
+            <a:schemeClr val="lt1"/>
+          </a:fontRef>
+        </p:style>
+        <p:txBody>
+          <a:bodyPr rtlCol="0" anchor="ctr"/>
+          <a:lstStyle/>
+          <a:p>
+            <a:pPr algn="ctr"/>
+            <a:endParaRPr lang="en-US"/>
+          </a:p>
+        </p:txBody>
+      </p:sp>
+      <p:sp>
+        <p:nvSpPr>
+          <p:cNvPr id="16" name="TextBox 15">
+            <a:extLst>
+              <a:ext uri="{FF2B5EF4-FFF2-40B4-BE49-F238E27FC236}">
+                <a16:creationId xmlns:a16="http://schemas.microsoft.com/office/drawing/2014/main" id="{2B69170F-5EE3-BF40-0519-6775973E2449}"/>
+              </a:ext>
+            </a:extLst>
+          </p:cNvPr>
+          <p:cNvSpPr txBox="1"/>
+          <p:nvPr/>
+        </p:nvSpPr>
+        <p:spPr>
+          <a:xfrm>
+            <a:off x="565026" y="1102236"/>
+            <a:ext cx="5061197" cy="646331"/>
+          </a:xfrm>
+          <a:prstGeom prst="rect">
+            <a:avLst/>
+          </a:prstGeom>
+          <a:noFill/>
+        </p:spPr>
+        <p:txBody>
+          <a:bodyPr wrap="square" rtlCol="0">
+            <a:spAutoFit/>
+          </a:bodyPr>
+          <a:lstStyle/>
+          <a:p>
+            <a:r>
+              <a:rPr lang="en-US" sz="3600" dirty="0">
+                <a:solidFill>
+                  <a:schemeClr val="bg2"/>
+                </a:solidFill>
+              </a:rPr>
+              <a:t>Improving</a:t>
+            </a:r>
             <a:r>
               <a:rPr lang="en-US" dirty="0"/>
-              <a:t>START</a:t>
+              <a:t> </a:t>
+            </a:r>
+          </a:p>
+        </p:txBody>
+      </p:sp>
+      <p:sp>
+        <p:nvSpPr>
+          <p:cNvPr id="17" name="TextBox 16">
+            <a:extLst>
+              <a:ext uri="{FF2B5EF4-FFF2-40B4-BE49-F238E27FC236}">
+                <a16:creationId xmlns:a16="http://schemas.microsoft.com/office/drawing/2014/main" id="{0A04D676-7573-7783-C888-D1874BA17C8F}"/>
+              </a:ext>
+            </a:extLst>
+          </p:cNvPr>
+          <p:cNvSpPr txBox="1"/>
+          <p:nvPr/>
+        </p:nvSpPr>
+        <p:spPr>
+          <a:xfrm>
+            <a:off x="6555439" y="5730907"/>
+            <a:ext cx="5312932" cy="646331"/>
+          </a:xfrm>
+          <a:prstGeom prst="rect">
+            <a:avLst/>
+          </a:prstGeom>
+          <a:noFill/>
+        </p:spPr>
+        <p:txBody>
+          <a:bodyPr wrap="square" rtlCol="0">
+            <a:spAutoFit/>
+          </a:bodyPr>
+          <a:lstStyle/>
+          <a:p>
+            <a:r>
+              <a:rPr lang="en-US" sz="3600" dirty="0">
+                <a:solidFill>
+                  <a:schemeClr val="bg2"/>
+                </a:solidFill>
+              </a:rPr>
+              <a:t>one conversation at a time</a:t>
             </a:r>
           </a:p>
         </p:txBody>
@@ -3781,7 +4066,7 @@
   <mc:AlternateContent xmlns:mc="http://schemas.openxmlformats.org/markup-compatibility/2006">
     <mc:Choice xmlns:p159="http://schemas.microsoft.com/office/powerpoint/2015/09/main" Requires="p159">
       <p:transition xmlns:p14="http://schemas.microsoft.com/office/powerpoint/2010/main" spd="slow" p14:dur="2000">
-        <p159:morph option="byWord"/>
+        <p159:morph option="byChar"/>
       </p:transition>
     </mc:Choice>
     <mc:Fallback>
@@ -3862,40 +4147,10 @@
           </a:p>
         </p:txBody>
       </p:sp>
-      <p:pic>
-        <p:nvPicPr>
-          <p:cNvPr id="4" name="Picture 3" descr="A group of colorful circles on a black background&#10;&#10;Description automatically generated">
-            <a:extLst>
-              <a:ext uri="{FF2B5EF4-FFF2-40B4-BE49-F238E27FC236}">
-                <a16:creationId xmlns:a16="http://schemas.microsoft.com/office/drawing/2014/main" id="{F60AB80A-D2C8-1DE9-D7FB-DA80E1E67BDE}"/>
-              </a:ext>
-            </a:extLst>
-          </p:cNvPr>
-          <p:cNvPicPr>
-            <a:picLocks noChangeAspect="1"/>
-          </p:cNvPicPr>
-          <p:nvPr/>
-        </p:nvPicPr>
-        <p:blipFill>
-          <a:blip r:embed="rId2"/>
-          <a:stretch>
-            <a:fillRect/>
-          </a:stretch>
-        </p:blipFill>
-        <p:spPr>
-          <a:xfrm rot="792542">
-            <a:off x="1621278" y="420751"/>
-            <a:ext cx="5616697" cy="5723887"/>
-          </a:xfrm>
-          <a:prstGeom prst="rect">
-            <a:avLst/>
-          </a:prstGeom>
-        </p:spPr>
-      </p:pic>
       <p:sp>
         <p:nvSpPr>
           <p:cNvPr id="6" name="Oval 5">
-            <a:hlinkClick r:id="rId3" action="ppaction://hlinksldjump"/>
+            <a:hlinkClick r:id="rId2" action="ppaction://hlinksldjump"/>
             <a:extLst>
               <a:ext uri="{FF2B5EF4-FFF2-40B4-BE49-F238E27FC236}">
                 <a16:creationId xmlns:a16="http://schemas.microsoft.com/office/drawing/2014/main" id="{72F4EC1D-3A77-B62A-C246-B19ADBC724FE}"/>
@@ -3946,7 +4201,7 @@
       <p:sp>
         <p:nvSpPr>
           <p:cNvPr id="7" name="Oval 6">
-            <a:hlinkClick r:id="rId4" action="ppaction://hlinksldjump"/>
+            <a:hlinkClick r:id="rId3" action="ppaction://hlinksldjump"/>
             <a:extLst>
               <a:ext uri="{FF2B5EF4-FFF2-40B4-BE49-F238E27FC236}">
                 <a16:creationId xmlns:a16="http://schemas.microsoft.com/office/drawing/2014/main" id="{6DCC111A-8579-2A5D-1527-93C3CD397A8F}"/>
@@ -3997,7 +4252,7 @@
       <p:sp>
         <p:nvSpPr>
           <p:cNvPr id="9" name="Oval 8">
-            <a:hlinkClick r:id="rId5" action="ppaction://hlinksldjump" highlightClick="1"/>
+            <a:hlinkClick r:id="rId4" action="ppaction://hlinksldjump" highlightClick="1"/>
             <a:extLst>
               <a:ext uri="{FF2B5EF4-FFF2-40B4-BE49-F238E27FC236}">
                 <a16:creationId xmlns:a16="http://schemas.microsoft.com/office/drawing/2014/main" id="{3BCD712D-C3A4-C927-EE61-864CBAA7015E}"/>
@@ -4042,6 +4297,133 @@
           <a:p>
             <a:pPr algn="ctr"/>
             <a:endParaRPr lang="en-US" dirty="0"/>
+          </a:p>
+        </p:txBody>
+      </p:sp>
+      <p:pic>
+        <p:nvPicPr>
+          <p:cNvPr id="8" name="Picture 7" descr="A group of colorful circles on a black background&#10;&#10;Description automatically generated">
+            <a:extLst>
+              <a:ext uri="{FF2B5EF4-FFF2-40B4-BE49-F238E27FC236}">
+                <a16:creationId xmlns:a16="http://schemas.microsoft.com/office/drawing/2014/main" id="{2C6136EA-C35F-D6D5-DF7D-97F1BDAAC553}"/>
+              </a:ext>
+            </a:extLst>
+          </p:cNvPr>
+          <p:cNvPicPr>
+            <a:picLocks noChangeAspect="1"/>
+          </p:cNvPicPr>
+          <p:nvPr/>
+        </p:nvPicPr>
+        <p:blipFill>
+          <a:blip r:embed="rId5"/>
+          <a:stretch>
+            <a:fillRect/>
+          </a:stretch>
+        </p:blipFill>
+        <p:spPr>
+          <a:xfrm>
+            <a:off x="1725085" y="429766"/>
+            <a:ext cx="4871645" cy="4964615"/>
+          </a:xfrm>
+          <a:prstGeom prst="rect">
+            <a:avLst/>
+          </a:prstGeom>
+        </p:spPr>
+      </p:pic>
+      <p:sp>
+        <p:nvSpPr>
+          <p:cNvPr id="10" name="Oval 9">
+            <a:hlinkClick r:id="rId4" action="ppaction://hlinksldjump"/>
+            <a:extLst>
+              <a:ext uri="{FF2B5EF4-FFF2-40B4-BE49-F238E27FC236}">
+                <a16:creationId xmlns:a16="http://schemas.microsoft.com/office/drawing/2014/main" id="{E8081200-C851-7555-C0C2-5C11D3143C8C}"/>
+              </a:ext>
+            </a:extLst>
+          </p:cNvPr>
+          <p:cNvSpPr/>
+          <p:nvPr/>
+        </p:nvSpPr>
+        <p:spPr>
+          <a:xfrm>
+            <a:off x="3160059" y="1944914"/>
+            <a:ext cx="2248609" cy="2187881"/>
+          </a:xfrm>
+          <a:prstGeom prst="ellipse">
+            <a:avLst/>
+          </a:prstGeom>
+          <a:noFill/>
+          <a:ln>
+            <a:noFill/>
+          </a:ln>
+        </p:spPr>
+        <p:style>
+          <a:lnRef idx="2">
+            <a:schemeClr val="accent1">
+              <a:shade val="50000"/>
+            </a:schemeClr>
+          </a:lnRef>
+          <a:fillRef idx="1">
+            <a:schemeClr val="accent1"/>
+          </a:fillRef>
+          <a:effectRef idx="0">
+            <a:schemeClr val="accent1"/>
+          </a:effectRef>
+          <a:fontRef idx="minor">
+            <a:schemeClr val="lt1"/>
+          </a:fontRef>
+        </p:style>
+        <p:txBody>
+          <a:bodyPr rtlCol="0" anchor="ctr"/>
+          <a:lstStyle/>
+          <a:p>
+            <a:pPr algn="ctr"/>
+            <a:r>
+              <a:rPr lang="en-US" sz="3600" dirty="0"/>
+              <a:t>LOGIN</a:t>
+            </a:r>
+          </a:p>
+        </p:txBody>
+      </p:sp>
+      <p:sp>
+        <p:nvSpPr>
+          <p:cNvPr id="12" name="TextBox 11">
+            <a:extLst>
+              <a:ext uri="{FF2B5EF4-FFF2-40B4-BE49-F238E27FC236}">
+                <a16:creationId xmlns:a16="http://schemas.microsoft.com/office/drawing/2014/main" id="{F2F2E28B-1AC2-2BEB-3E72-5CFF730019F7}"/>
+              </a:ext>
+            </a:extLst>
+          </p:cNvPr>
+          <p:cNvSpPr txBox="1"/>
+          <p:nvPr/>
+        </p:nvSpPr>
+        <p:spPr>
+          <a:xfrm>
+            <a:off x="6809509" y="5047780"/>
+            <a:ext cx="5382491" cy="1200329"/>
+          </a:xfrm>
+          <a:prstGeom prst="rect">
+            <a:avLst/>
+          </a:prstGeom>
+          <a:noFill/>
+        </p:spPr>
+        <p:txBody>
+          <a:bodyPr wrap="square" rtlCol="0">
+            <a:spAutoFit/>
+          </a:bodyPr>
+          <a:lstStyle/>
+          <a:p>
+            <a:r>
+              <a:rPr lang="en-US" sz="2400" dirty="0">
+                <a:solidFill>
+                  <a:schemeClr val="bg2">
+                    <a:lumMod val="90000"/>
+                  </a:schemeClr>
+                </a:solidFill>
+                <a:latin typeface="Microsoft YaHei" panose="020B0503020204020204" pitchFamily="34" charset="-122"/>
+                <a:ea typeface="Microsoft YaHei" panose="020B0503020204020204" pitchFamily="34" charset="-122"/>
+              </a:rPr>
+              <a:t>is a collaborative tool used in group settings to help ease communication. </a:t>
+            </a:r>
           </a:p>
         </p:txBody>
       </p:sp>
@@ -4058,7 +4440,7 @@
   <mc:AlternateContent xmlns:mc="http://schemas.openxmlformats.org/markup-compatibility/2006">
     <mc:Choice xmlns:p159="http://schemas.microsoft.com/office/powerpoint/2015/09/main" Requires="p159">
       <p:transition xmlns:p14="http://schemas.microsoft.com/office/powerpoint/2010/main" spd="slow" p14:dur="2000">
-        <p159:morph option="byWord"/>
+        <p159:morph option="byObject"/>
       </p:transition>
     </mc:Choice>
     <mc:Fallback>
@@ -4115,7 +4497,7 @@
         </p:nvSpPr>
         <p:spPr>
           <a:xfrm>
-            <a:off x="8289464" y="4531530"/>
+            <a:off x="8262570" y="6788350"/>
             <a:ext cx="10515600" cy="1325563"/>
           </a:xfrm>
         </p:spPr>
@@ -4137,40 +4519,10 @@
           </a:p>
         </p:txBody>
       </p:sp>
-      <p:pic>
-        <p:nvPicPr>
-          <p:cNvPr id="3" name="Picture 2" descr="A group of colorful circles on a black background&#10;&#10;Description automatically generated">
-            <a:extLst>
-              <a:ext uri="{FF2B5EF4-FFF2-40B4-BE49-F238E27FC236}">
-                <a16:creationId xmlns:a16="http://schemas.microsoft.com/office/drawing/2014/main" id="{345452C3-37BC-212A-6F65-DE28E53910C6}"/>
-              </a:ext>
-            </a:extLst>
-          </p:cNvPr>
-          <p:cNvPicPr>
-            <a:picLocks noChangeAspect="1"/>
-          </p:cNvPicPr>
-          <p:nvPr/>
-        </p:nvPicPr>
-        <p:blipFill>
-          <a:blip r:embed="rId2"/>
-          <a:stretch>
-            <a:fillRect/>
-          </a:stretch>
-        </p:blipFill>
-        <p:spPr>
-          <a:xfrm rot="747666">
-            <a:off x="8820946" y="433077"/>
-            <a:ext cx="3167385" cy="3227832"/>
-          </a:xfrm>
-          <a:prstGeom prst="rect">
-            <a:avLst/>
-          </a:prstGeom>
-        </p:spPr>
-      </p:pic>
       <p:sp>
         <p:nvSpPr>
           <p:cNvPr id="4" name="Oval 3">
-            <a:hlinkClick r:id="rId3" action="ppaction://hlinksldjump"/>
+            <a:hlinkClick r:id="rId2" action="ppaction://hlinksldjump"/>
             <a:extLst>
               <a:ext uri="{FF2B5EF4-FFF2-40B4-BE49-F238E27FC236}">
                 <a16:creationId xmlns:a16="http://schemas.microsoft.com/office/drawing/2014/main" id="{1D2F383B-43FF-78AB-0184-C9F5D8D2A93C}"/>
@@ -4233,7 +4585,7 @@
           <p:nvPr>
             <p:extLst>
               <p:ext uri="{D42A27DB-BD31-4B8C-83A1-F6EECF244321}">
-                <p14:modId xmlns:p14="http://schemas.microsoft.com/office/powerpoint/2010/main" val="2264853323"/>
+                <p14:modId xmlns:p14="http://schemas.microsoft.com/office/powerpoint/2010/main" val="2442764101"/>
               </p:ext>
             </p:extLst>
           </p:nvPr>
@@ -4266,7 +4618,47 @@
                       <a:endParaRPr lang="en-US" dirty="0"/>
                     </a:p>
                   </a:txBody>
-                  <a:tcPr/>
+                  <a:tcPr>
+                    <a:lnL w="12700" cap="flat" cmpd="sng" algn="ctr">
+                      <a:solidFill>
+                        <a:schemeClr val="tx1"/>
+                      </a:solidFill>
+                      <a:prstDash val="solid"/>
+                      <a:round/>
+                      <a:headEnd type="none" w="med" len="med"/>
+                      <a:tailEnd type="none" w="med" len="med"/>
+                    </a:lnL>
+                    <a:lnR w="12700" cap="flat" cmpd="sng" algn="ctr">
+                      <a:solidFill>
+                        <a:schemeClr val="tx1"/>
+                      </a:solidFill>
+                      <a:prstDash val="solid"/>
+                      <a:round/>
+                      <a:headEnd type="none" w="med" len="med"/>
+                      <a:tailEnd type="none" w="med" len="med"/>
+                    </a:lnR>
+                    <a:lnT w="12700" cap="flat" cmpd="sng" algn="ctr">
+                      <a:solidFill>
+                        <a:schemeClr val="tx1"/>
+                      </a:solidFill>
+                      <a:prstDash val="solid"/>
+                      <a:round/>
+                      <a:headEnd type="none" w="med" len="med"/>
+                      <a:tailEnd type="none" w="med" len="med"/>
+                    </a:lnT>
+                    <a:lnB w="12700" cap="flat" cmpd="sng" algn="ctr">
+                      <a:solidFill>
+                        <a:schemeClr val="tx1"/>
+                      </a:solidFill>
+                      <a:prstDash val="solid"/>
+                      <a:round/>
+                      <a:headEnd type="none" w="med" len="med"/>
+                      <a:tailEnd type="none" w="med" len="med"/>
+                    </a:lnB>
+                    <a:solidFill>
+                      <a:srgbClr val="51D6FC"/>
+                    </a:solidFill>
+                  </a:tcPr>
                 </a:tc>
                 <a:extLst>
                   <a:ext uri="{0D108BD9-81ED-4DB2-BD59-A6C34878D82A}">
@@ -4292,8 +4684,8 @@
         </p:nvSpPr>
         <p:spPr>
           <a:xfrm>
-            <a:off x="3226304" y="998007"/>
-            <a:ext cx="886968" cy="369332"/>
+            <a:off x="2705385" y="811905"/>
+            <a:ext cx="1838693" cy="830997"/>
           </a:xfrm>
           <a:prstGeom prst="rect">
             <a:avLst/>
@@ -4307,7 +4699,7 @@
           <a:lstStyle/>
           <a:p>
             <a:r>
-              <a:rPr lang="en-US" dirty="0"/>
+              <a:rPr lang="en-US" sz="4800" dirty="0"/>
               <a:t>LOGIN</a:t>
             </a:r>
           </a:p>
@@ -4395,112 +4787,6 @@
           </a:p>
         </p:txBody>
       </p:sp>
-      <p:grpSp>
-        <p:nvGrpSpPr>
-          <p:cNvPr id="12" name="Group 11">
-            <a:extLst>
-              <a:ext uri="{FF2B5EF4-FFF2-40B4-BE49-F238E27FC236}">
-                <a16:creationId xmlns:a16="http://schemas.microsoft.com/office/drawing/2014/main" id="{78B893CC-D43C-9AA3-3000-559A134C3E08}"/>
-              </a:ext>
-            </a:extLst>
-          </p:cNvPr>
-          <p:cNvGrpSpPr/>
-          <p:nvPr/>
-        </p:nvGrpSpPr>
-        <p:grpSpPr>
-          <a:xfrm>
-            <a:off x="2833654" y="3800127"/>
-            <a:ext cx="1828239" cy="369332"/>
-            <a:chOff x="3667600" y="4353274"/>
-            <a:chExt cx="1828239" cy="369332"/>
-          </a:xfrm>
-        </p:grpSpPr>
-        <p:sp>
-          <p:nvSpPr>
-            <p:cNvPr id="9" name="TextBox 8">
-              <a:extLst>
-                <a:ext uri="{FF2B5EF4-FFF2-40B4-BE49-F238E27FC236}">
-                  <a16:creationId xmlns:a16="http://schemas.microsoft.com/office/drawing/2014/main" id="{54FA01F6-AC78-3FB1-15D8-33E29EEFE6B0}"/>
-                </a:ext>
-              </a:extLst>
-            </p:cNvPr>
-            <p:cNvSpPr txBox="1"/>
-            <p:nvPr/>
-          </p:nvSpPr>
-          <p:spPr>
-            <a:xfrm>
-              <a:off x="3667600" y="4353274"/>
-              <a:ext cx="1624152" cy="369332"/>
-            </a:xfrm>
-            <a:prstGeom prst="rect">
-              <a:avLst/>
-            </a:prstGeom>
-            <a:noFill/>
-          </p:spPr>
-          <p:txBody>
-            <a:bodyPr wrap="square" rtlCol="0">
-              <a:spAutoFit/>
-            </a:bodyPr>
-            <a:lstStyle/>
-            <a:p>
-              <a:r>
-                <a:rPr lang="en-US" dirty="0"/>
-                <a:t>Remember Me </a:t>
-              </a:r>
-            </a:p>
-          </p:txBody>
-        </p:sp>
-        <p:sp>
-          <p:nvSpPr>
-            <p:cNvPr id="10" name="Frame 9">
-              <a:extLst>
-                <a:ext uri="{FF2B5EF4-FFF2-40B4-BE49-F238E27FC236}">
-                  <a16:creationId xmlns:a16="http://schemas.microsoft.com/office/drawing/2014/main" id="{41E9DB02-69B1-55FB-1539-0F7BFE7E2844}"/>
-                </a:ext>
-              </a:extLst>
-            </p:cNvPr>
-            <p:cNvSpPr/>
-            <p:nvPr/>
-          </p:nvSpPr>
-          <p:spPr>
-            <a:xfrm>
-              <a:off x="5251999" y="4444704"/>
-              <a:ext cx="243840" cy="198539"/>
-            </a:xfrm>
-            <a:prstGeom prst="frame">
-              <a:avLst/>
-            </a:prstGeom>
-          </p:spPr>
-          <p:style>
-            <a:lnRef idx="2">
-              <a:schemeClr val="accent1">
-                <a:shade val="50000"/>
-              </a:schemeClr>
-            </a:lnRef>
-            <a:fillRef idx="1">
-              <a:schemeClr val="accent1"/>
-            </a:fillRef>
-            <a:effectRef idx="0">
-              <a:schemeClr val="accent1"/>
-            </a:effectRef>
-            <a:fontRef idx="minor">
-              <a:schemeClr val="lt1"/>
-            </a:fontRef>
-          </p:style>
-          <p:txBody>
-            <a:bodyPr rtlCol="0" anchor="ctr"/>
-            <a:lstStyle/>
-            <a:p>
-              <a:pPr algn="ctr"/>
-              <a:endParaRPr lang="en-US">
-                <a:solidFill>
-                  <a:schemeClr val="tx1"/>
-                </a:solidFill>
-              </a:endParaRPr>
-            </a:p>
-          </p:txBody>
-        </p:sp>
-      </p:grpSp>
       <p:sp>
         <p:nvSpPr>
           <p:cNvPr id="11" name="TextBox 10">
@@ -4515,7 +4801,7 @@
         </p:nvSpPr>
         <p:spPr>
           <a:xfrm>
-            <a:off x="2903648" y="4162198"/>
+            <a:off x="2758864" y="3800127"/>
             <a:ext cx="1821848" cy="369332"/>
           </a:xfrm>
           <a:prstGeom prst="rect">
@@ -4531,7 +4817,7 @@
           <a:p>
             <a:r>
               <a:rPr lang="en-US" dirty="0">
-                <a:hlinkClick r:id="rId4"/>
+                <a:hlinkClick r:id="rId3"/>
               </a:rPr>
               <a:t>Forgot Password</a:t>
             </a:r>
@@ -4553,7 +4839,7 @@
         </p:nvSpPr>
         <p:spPr>
           <a:xfrm>
-            <a:off x="3226304" y="3212651"/>
+            <a:off x="3226304" y="3294486"/>
             <a:ext cx="796856" cy="369332"/>
           </a:xfrm>
           <a:prstGeom prst="rect">
@@ -4594,9 +4880,9 @@
         <p:grpSpPr>
           <a:xfrm>
             <a:off x="2184467" y="4937716"/>
-            <a:ext cx="3224397" cy="510122"/>
+            <a:ext cx="3056181" cy="510122"/>
             <a:chOff x="2924834" y="5589998"/>
-            <a:chExt cx="3224397" cy="510122"/>
+            <a:chExt cx="3056181" cy="510122"/>
           </a:xfrm>
         </p:grpSpPr>
         <p:pic>
@@ -4614,7 +4900,7 @@
             <p:nvPr/>
           </p:nvPicPr>
           <p:blipFill rotWithShape="1">
-            <a:blip r:embed="rId5">
+            <a:blip r:embed="rId4">
               <a:extLst>
                 <a:ext uri="{28A0092B-C50C-407E-A947-70E740481C1C}">
                   <a14:useLocalDpi xmlns:a14="http://schemas.microsoft.com/office/drawing/2010/main" val="0"/>
@@ -4658,7 +4944,7 @@
           </p:nvSpPr>
           <p:spPr>
             <a:xfrm>
-              <a:off x="3714255" y="5660393"/>
+              <a:off x="3546039" y="5660393"/>
               <a:ext cx="2434976" cy="369332"/>
             </a:xfrm>
             <a:prstGeom prst="rect">
@@ -4680,6 +4966,388 @@
           </p:txBody>
         </p:sp>
       </p:grpSp>
+      <p:pic>
+        <p:nvPicPr>
+          <p:cNvPr id="9" name="Picture 8" descr="A group of colorful circles on a black background&#10;&#10;Description automatically generated">
+            <a:extLst>
+              <a:ext uri="{FF2B5EF4-FFF2-40B4-BE49-F238E27FC236}">
+                <a16:creationId xmlns:a16="http://schemas.microsoft.com/office/drawing/2014/main" id="{55A3F93C-90B8-54FE-1DD5-10B44D0E4DF5}"/>
+              </a:ext>
+            </a:extLst>
+          </p:cNvPr>
+          <p:cNvPicPr>
+            <a:picLocks noChangeAspect="1"/>
+          </p:cNvPicPr>
+          <p:nvPr/>
+        </p:nvPicPr>
+        <p:blipFill>
+          <a:blip r:embed="rId5"/>
+          <a:stretch>
+            <a:fillRect/>
+          </a:stretch>
+        </p:blipFill>
+        <p:spPr>
+          <a:xfrm rot="8189878">
+            <a:off x="7184139" y="711574"/>
+            <a:ext cx="4653266" cy="4742069"/>
+          </a:xfrm>
+          <a:prstGeom prst="rect">
+            <a:avLst/>
+          </a:prstGeom>
+        </p:spPr>
+      </p:pic>
+      <p:sp>
+        <p:nvSpPr>
+          <p:cNvPr id="10" name="TextBox 9">
+            <a:extLst>
+              <a:ext uri="{FF2B5EF4-FFF2-40B4-BE49-F238E27FC236}">
+                <a16:creationId xmlns:a16="http://schemas.microsoft.com/office/drawing/2014/main" id="{F819AC0E-55BD-6D52-B335-97E45B34B7C3}"/>
+              </a:ext>
+            </a:extLst>
+          </p:cNvPr>
+          <p:cNvSpPr txBox="1"/>
+          <p:nvPr/>
+        </p:nvSpPr>
+        <p:spPr>
+          <a:xfrm>
+            <a:off x="2321331" y="4342538"/>
+            <a:ext cx="2558485" cy="369332"/>
+          </a:xfrm>
+          <a:prstGeom prst="rect">
+            <a:avLst/>
+          </a:prstGeom>
+          <a:solidFill>
+            <a:schemeClr val="bg2">
+              <a:lumMod val="90000"/>
+            </a:schemeClr>
+          </a:solidFill>
+          <a:ln w="12700">
+            <a:solidFill>
+              <a:schemeClr val="tx1"/>
+            </a:solidFill>
+          </a:ln>
+        </p:spPr>
+        <p:txBody>
+          <a:bodyPr wrap="square" rtlCol="0">
+            <a:spAutoFit/>
+          </a:bodyPr>
+          <a:lstStyle/>
+          <a:p>
+            <a:r>
+              <a:rPr lang="en-US" dirty="0"/>
+              <a:t>CREATE A NEW ACCOUNT</a:t>
+            </a:r>
+          </a:p>
+        </p:txBody>
+      </p:sp>
+      <p:sp>
+        <p:nvSpPr>
+          <p:cNvPr id="12" name="Oval 11">
+            <a:extLst>
+              <a:ext uri="{FF2B5EF4-FFF2-40B4-BE49-F238E27FC236}">
+                <a16:creationId xmlns:a16="http://schemas.microsoft.com/office/drawing/2014/main" id="{A15F64ED-1E2B-BC9B-2E60-92F1E93DF718}"/>
+              </a:ext>
+            </a:extLst>
+          </p:cNvPr>
+          <p:cNvSpPr/>
+          <p:nvPr/>
+        </p:nvSpPr>
+        <p:spPr>
+          <a:xfrm>
+            <a:off x="8518554" y="2289233"/>
+            <a:ext cx="1775012" cy="1586753"/>
+          </a:xfrm>
+          <a:prstGeom prst="ellipse">
+            <a:avLst/>
+          </a:prstGeom>
+          <a:noFill/>
+          <a:ln>
+            <a:noFill/>
+          </a:ln>
+        </p:spPr>
+        <p:style>
+          <a:lnRef idx="2">
+            <a:schemeClr val="accent1">
+              <a:shade val="50000"/>
+            </a:schemeClr>
+          </a:lnRef>
+          <a:fillRef idx="1">
+            <a:schemeClr val="accent1"/>
+          </a:fillRef>
+          <a:effectRef idx="0">
+            <a:schemeClr val="accent1"/>
+          </a:effectRef>
+          <a:fontRef idx="minor">
+            <a:schemeClr val="lt1"/>
+          </a:fontRef>
+        </p:style>
+        <p:txBody>
+          <a:bodyPr rtlCol="0" anchor="ctr"/>
+          <a:lstStyle/>
+          <a:p>
+            <a:pPr algn="ctr"/>
+            <a:r>
+              <a:rPr lang="en-US" sz="3200" dirty="0"/>
+              <a:t>LOGIN</a:t>
+            </a:r>
+          </a:p>
+        </p:txBody>
+      </p:sp>
+      <p:sp>
+        <p:nvSpPr>
+          <p:cNvPr id="16" name="Oval 15">
+            <a:hlinkClick r:id="rId6" action="ppaction://hlinksldjump"/>
+            <a:extLst>
+              <a:ext uri="{FF2B5EF4-FFF2-40B4-BE49-F238E27FC236}">
+                <a16:creationId xmlns:a16="http://schemas.microsoft.com/office/drawing/2014/main" id="{3725FF9D-A04F-7653-2C5E-C25CFA4DE576}"/>
+              </a:ext>
+            </a:extLst>
+          </p:cNvPr>
+          <p:cNvSpPr/>
+          <p:nvPr/>
+        </p:nvSpPr>
+        <p:spPr>
+          <a:xfrm>
+            <a:off x="10734284" y="2982177"/>
+            <a:ext cx="1257973" cy="1187281"/>
+          </a:xfrm>
+          <a:prstGeom prst="ellipse">
+            <a:avLst/>
+          </a:prstGeom>
+          <a:noFill/>
+          <a:ln>
+            <a:noFill/>
+          </a:ln>
+        </p:spPr>
+        <p:style>
+          <a:lnRef idx="2">
+            <a:schemeClr val="accent1">
+              <a:shade val="50000"/>
+            </a:schemeClr>
+          </a:lnRef>
+          <a:fillRef idx="1">
+            <a:schemeClr val="accent1"/>
+          </a:fillRef>
+          <a:effectRef idx="0">
+            <a:schemeClr val="accent1"/>
+          </a:effectRef>
+          <a:fontRef idx="minor">
+            <a:schemeClr val="lt1"/>
+          </a:fontRef>
+        </p:style>
+        <p:txBody>
+          <a:bodyPr rtlCol="0" anchor="ctr"/>
+          <a:lstStyle/>
+          <a:p>
+            <a:pPr algn="ctr"/>
+            <a:endParaRPr lang="en-US"/>
+          </a:p>
+        </p:txBody>
+      </p:sp>
+      <p:sp>
+        <p:nvSpPr>
+          <p:cNvPr id="17" name="Oval 16">
+            <a:hlinkClick r:id="rId2" action="ppaction://hlinksldjump"/>
+            <a:extLst>
+              <a:ext uri="{FF2B5EF4-FFF2-40B4-BE49-F238E27FC236}">
+                <a16:creationId xmlns:a16="http://schemas.microsoft.com/office/drawing/2014/main" id="{88640970-E418-975B-86BC-455FE034244A}"/>
+              </a:ext>
+            </a:extLst>
+          </p:cNvPr>
+          <p:cNvSpPr/>
+          <p:nvPr/>
+        </p:nvSpPr>
+        <p:spPr>
+          <a:xfrm>
+            <a:off x="9087388" y="4087477"/>
+            <a:ext cx="1300172" cy="1105300"/>
+          </a:xfrm>
+          <a:prstGeom prst="ellipse">
+            <a:avLst/>
+          </a:prstGeom>
+          <a:noFill/>
+          <a:ln>
+            <a:noFill/>
+          </a:ln>
+        </p:spPr>
+        <p:style>
+          <a:lnRef idx="2">
+            <a:schemeClr val="accent1">
+              <a:shade val="50000"/>
+            </a:schemeClr>
+          </a:lnRef>
+          <a:fillRef idx="1">
+            <a:schemeClr val="accent1"/>
+          </a:fillRef>
+          <a:effectRef idx="0">
+            <a:schemeClr val="accent1"/>
+          </a:effectRef>
+          <a:fontRef idx="minor">
+            <a:schemeClr val="lt1"/>
+          </a:fontRef>
+        </p:style>
+        <p:txBody>
+          <a:bodyPr rtlCol="0" anchor="ctr"/>
+          <a:lstStyle/>
+          <a:p>
+            <a:pPr algn="ctr"/>
+            <a:endParaRPr lang="en-US"/>
+          </a:p>
+        </p:txBody>
+      </p:sp>
+      <p:sp>
+        <p:nvSpPr>
+          <p:cNvPr id="18" name="Oval 17">
+            <a:hlinkClick r:id="rId7" action="ppaction://hlinksldjump"/>
+            <a:extLst>
+              <a:ext uri="{FF2B5EF4-FFF2-40B4-BE49-F238E27FC236}">
+                <a16:creationId xmlns:a16="http://schemas.microsoft.com/office/drawing/2014/main" id="{59C2A024-F0E5-6C89-89F5-C754F49C0D93}"/>
+              </a:ext>
+            </a:extLst>
+          </p:cNvPr>
+          <p:cNvSpPr/>
+          <p:nvPr/>
+        </p:nvSpPr>
+        <p:spPr>
+          <a:xfrm>
+            <a:off x="7287698" y="3515488"/>
+            <a:ext cx="1257973" cy="827050"/>
+          </a:xfrm>
+          <a:prstGeom prst="ellipse">
+            <a:avLst/>
+          </a:prstGeom>
+          <a:noFill/>
+          <a:ln>
+            <a:noFill/>
+          </a:ln>
+        </p:spPr>
+        <p:style>
+          <a:lnRef idx="2">
+            <a:schemeClr val="accent1">
+              <a:shade val="50000"/>
+            </a:schemeClr>
+          </a:lnRef>
+          <a:fillRef idx="1">
+            <a:schemeClr val="accent1"/>
+          </a:fillRef>
+          <a:effectRef idx="0">
+            <a:schemeClr val="accent1"/>
+          </a:effectRef>
+          <a:fontRef idx="minor">
+            <a:schemeClr val="lt1"/>
+          </a:fontRef>
+        </p:style>
+        <p:txBody>
+          <a:bodyPr rtlCol="0" anchor="ctr"/>
+          <a:lstStyle/>
+          <a:p>
+            <a:pPr algn="ctr"/>
+            <a:endParaRPr lang="en-US"/>
+          </a:p>
+        </p:txBody>
+      </p:sp>
+      <p:sp>
+        <p:nvSpPr>
+          <p:cNvPr id="19" name="Oval 18">
+            <a:hlinkClick r:id="rId8" action="ppaction://hlinksldjump"/>
+            <a:extLst>
+              <a:ext uri="{FF2B5EF4-FFF2-40B4-BE49-F238E27FC236}">
+                <a16:creationId xmlns:a16="http://schemas.microsoft.com/office/drawing/2014/main" id="{A217192D-0874-FA24-4AB2-BBAD8CB1FDF7}"/>
+              </a:ext>
+            </a:extLst>
+          </p:cNvPr>
+          <p:cNvSpPr/>
+          <p:nvPr/>
+        </p:nvSpPr>
+        <p:spPr>
+          <a:xfrm>
+            <a:off x="7233988" y="2289233"/>
+            <a:ext cx="920389" cy="968593"/>
+          </a:xfrm>
+          <a:prstGeom prst="ellipse">
+            <a:avLst/>
+          </a:prstGeom>
+          <a:noFill/>
+          <a:ln>
+            <a:noFill/>
+          </a:ln>
+        </p:spPr>
+        <p:style>
+          <a:lnRef idx="2">
+            <a:schemeClr val="accent1">
+              <a:shade val="50000"/>
+            </a:schemeClr>
+          </a:lnRef>
+          <a:fillRef idx="1">
+            <a:schemeClr val="accent1"/>
+          </a:fillRef>
+          <a:effectRef idx="0">
+            <a:schemeClr val="accent1"/>
+          </a:effectRef>
+          <a:fontRef idx="minor">
+            <a:schemeClr val="lt1"/>
+          </a:fontRef>
+        </p:style>
+        <p:txBody>
+          <a:bodyPr rtlCol="0" anchor="ctr"/>
+          <a:lstStyle/>
+          <a:p>
+            <a:pPr algn="ctr"/>
+            <a:endParaRPr lang="en-US"/>
+          </a:p>
+        </p:txBody>
+      </p:sp>
+      <p:sp>
+        <p:nvSpPr>
+          <p:cNvPr id="20" name="Oval 19">
+            <a:hlinkClick r:id="rId9" action="ppaction://hlinksldjump"/>
+            <a:extLst>
+              <a:ext uri="{FF2B5EF4-FFF2-40B4-BE49-F238E27FC236}">
+                <a16:creationId xmlns:a16="http://schemas.microsoft.com/office/drawing/2014/main" id="{FDC44AA0-AB87-AFC9-33A6-4AD6BBEE753F}"/>
+              </a:ext>
+            </a:extLst>
+          </p:cNvPr>
+          <p:cNvSpPr/>
+          <p:nvPr/>
+        </p:nvSpPr>
+        <p:spPr>
+          <a:xfrm>
+            <a:off x="9022074" y="335517"/>
+            <a:ext cx="1021966" cy="1000026"/>
+          </a:xfrm>
+          <a:prstGeom prst="ellipse">
+            <a:avLst/>
+          </a:prstGeom>
+          <a:noFill/>
+          <a:ln>
+            <a:noFill/>
+          </a:ln>
+        </p:spPr>
+        <p:style>
+          <a:lnRef idx="2">
+            <a:schemeClr val="accent1">
+              <a:shade val="50000"/>
+            </a:schemeClr>
+          </a:lnRef>
+          <a:fillRef idx="1">
+            <a:schemeClr val="accent1"/>
+          </a:fillRef>
+          <a:effectRef idx="0">
+            <a:schemeClr val="accent1"/>
+          </a:effectRef>
+          <a:fontRef idx="minor">
+            <a:schemeClr val="lt1"/>
+          </a:fontRef>
+        </p:style>
+        <p:txBody>
+          <a:bodyPr rtlCol="0" anchor="ctr"/>
+          <a:lstStyle/>
+          <a:p>
+            <a:pPr algn="ctr"/>
+            <a:endParaRPr lang="en-US"/>
+          </a:p>
+        </p:txBody>
+      </p:sp>
     </p:spTree>
     <p:extLst>
       <p:ext uri="{BB962C8B-B14F-4D97-AF65-F5344CB8AC3E}">
@@ -4693,7 +5361,7 @@
   <mc:AlternateContent xmlns:mc="http://schemas.openxmlformats.org/markup-compatibility/2006">
     <mc:Choice xmlns:p159="http://schemas.microsoft.com/office/powerpoint/2015/09/main" Requires="p159">
       <p:transition xmlns:p14="http://schemas.microsoft.com/office/powerpoint/2010/main" spd="slow" p14:dur="2000">
-        <p159:morph option="byObject"/>
+        <p159:morph option="byChar"/>
       </p:transition>
     </mc:Choice>
     <mc:Fallback>
@@ -4810,7 +5478,7 @@
         </p:nvSpPr>
         <p:spPr>
           <a:xfrm>
-            <a:off x="9218920" y="5176492"/>
+            <a:off x="9512163" y="8178414"/>
             <a:ext cx="10515600" cy="1505883"/>
           </a:xfrm>
         </p:spPr>
@@ -4833,12 +5501,268 @@
           </a:p>
         </p:txBody>
       </p:sp>
+      <p:sp>
+        <p:nvSpPr>
+          <p:cNvPr id="5" name="TextBox 4">
+            <a:extLst>
+              <a:ext uri="{FF2B5EF4-FFF2-40B4-BE49-F238E27FC236}">
+                <a16:creationId xmlns:a16="http://schemas.microsoft.com/office/drawing/2014/main" id="{68164F4C-C4BD-3F22-8925-C27A3792380E}"/>
+              </a:ext>
+            </a:extLst>
+          </p:cNvPr>
+          <p:cNvSpPr txBox="1"/>
+          <p:nvPr/>
+        </p:nvSpPr>
+        <p:spPr>
+          <a:xfrm>
+            <a:off x="1393370" y="5021711"/>
+            <a:ext cx="6794666" cy="1779838"/>
+          </a:xfrm>
+          <a:prstGeom prst="rect">
+            <a:avLst/>
+          </a:prstGeom>
+          <a:noFill/>
+        </p:spPr>
+        <p:txBody>
+          <a:bodyPr wrap="square" rtlCol="0">
+            <a:spAutoFit/>
+          </a:bodyPr>
+          <a:lstStyle/>
+          <a:p>
+            <a:pPr defTabSz="786384">
+              <a:spcAft>
+                <a:spcPts val="600"/>
+              </a:spcAft>
+            </a:pPr>
+            <a:r>
+              <a:rPr lang="en-US" sz="10750" kern="1200" dirty="0">
+                <a:solidFill>
+                  <a:schemeClr val="bg1"/>
+                </a:solidFill>
+                <a:latin typeface="Microsoft YaHei" panose="020B0503020204020204" pitchFamily="34" charset="-122"/>
+                <a:ea typeface="Microsoft YaHei" panose="020B0503020204020204" pitchFamily="34" charset="-122"/>
+              </a:rPr>
+              <a:t>C       LAB</a:t>
+            </a:r>
+            <a:endParaRPr lang="en-US" sz="12500" dirty="0">
+              <a:solidFill>
+                <a:schemeClr val="bg1"/>
+              </a:solidFill>
+              <a:latin typeface="Microsoft YaHei" panose="020B0503020204020204" pitchFamily="34" charset="-122"/>
+              <a:ea typeface="Microsoft YaHei" panose="020B0503020204020204" pitchFamily="34" charset="-122"/>
+            </a:endParaRPr>
+          </a:p>
+        </p:txBody>
+      </p:sp>
+      <p:sp>
+        <p:nvSpPr>
+          <p:cNvPr id="7" name="Oval 6">
+            <a:hlinkClick r:id="rId2" action="ppaction://hlinksldjump"/>
+            <a:extLst>
+              <a:ext uri="{FF2B5EF4-FFF2-40B4-BE49-F238E27FC236}">
+                <a16:creationId xmlns:a16="http://schemas.microsoft.com/office/drawing/2014/main" id="{C09D9499-8A91-7E96-E079-31961E567FEC}"/>
+              </a:ext>
+            </a:extLst>
+          </p:cNvPr>
+          <p:cNvSpPr/>
+          <p:nvPr/>
+        </p:nvSpPr>
+        <p:spPr>
+          <a:xfrm>
+            <a:off x="2200547" y="3862447"/>
+            <a:ext cx="1100831" cy="1083076"/>
+          </a:xfrm>
+          <a:prstGeom prst="ellipse">
+            <a:avLst/>
+          </a:prstGeom>
+          <a:noFill/>
+          <a:ln>
+            <a:noFill/>
+          </a:ln>
+        </p:spPr>
+        <p:style>
+          <a:lnRef idx="2">
+            <a:schemeClr val="accent1">
+              <a:shade val="50000"/>
+            </a:schemeClr>
+          </a:lnRef>
+          <a:fillRef idx="1">
+            <a:schemeClr val="accent1"/>
+          </a:fillRef>
+          <a:effectRef idx="0">
+            <a:schemeClr val="accent1"/>
+          </a:effectRef>
+          <a:fontRef idx="minor">
+            <a:schemeClr val="lt1"/>
+          </a:fontRef>
+        </p:style>
+        <p:txBody>
+          <a:bodyPr rtlCol="0" anchor="ctr"/>
+          <a:lstStyle/>
+          <a:p>
+            <a:pPr algn="ctr"/>
+            <a:endParaRPr lang="en-US"/>
+          </a:p>
+        </p:txBody>
+      </p:sp>
+      <p:sp>
+        <p:nvSpPr>
+          <p:cNvPr id="8" name="Oval 7">
+            <a:hlinkClick r:id="rId3" action="ppaction://hlinksldjump"/>
+            <a:extLst>
+              <a:ext uri="{FF2B5EF4-FFF2-40B4-BE49-F238E27FC236}">
+                <a16:creationId xmlns:a16="http://schemas.microsoft.com/office/drawing/2014/main" id="{CC1F8DBC-FF36-D8ED-C047-DD09AFE11AF5}"/>
+              </a:ext>
+            </a:extLst>
+          </p:cNvPr>
+          <p:cNvSpPr/>
+          <p:nvPr/>
+        </p:nvSpPr>
+        <p:spPr>
+          <a:xfrm>
+            <a:off x="2908851" y="2916152"/>
+            <a:ext cx="785054" cy="782715"/>
+          </a:xfrm>
+          <a:prstGeom prst="ellipse">
+            <a:avLst/>
+          </a:prstGeom>
+          <a:noFill/>
+          <a:ln>
+            <a:noFill/>
+          </a:ln>
+        </p:spPr>
+        <p:style>
+          <a:lnRef idx="2">
+            <a:schemeClr val="accent1">
+              <a:shade val="50000"/>
+            </a:schemeClr>
+          </a:lnRef>
+          <a:fillRef idx="1">
+            <a:schemeClr val="accent1"/>
+          </a:fillRef>
+          <a:effectRef idx="0">
+            <a:schemeClr val="accent1"/>
+          </a:effectRef>
+          <a:fontRef idx="minor">
+            <a:schemeClr val="lt1"/>
+          </a:fontRef>
+        </p:style>
+        <p:txBody>
+          <a:bodyPr rtlCol="0" anchor="ctr"/>
+          <a:lstStyle/>
+          <a:p>
+            <a:pPr algn="ctr"/>
+            <a:endParaRPr lang="en-US"/>
+          </a:p>
+        </p:txBody>
+      </p:sp>
+      <p:sp>
+        <p:nvSpPr>
+          <p:cNvPr id="3" name="Oval 2">
+            <a:extLst>
+              <a:ext uri="{FF2B5EF4-FFF2-40B4-BE49-F238E27FC236}">
+                <a16:creationId xmlns:a16="http://schemas.microsoft.com/office/drawing/2014/main" id="{7C895AB7-4F24-D7AD-8C3D-C76FE9A5D1B1}"/>
+              </a:ext>
+            </a:extLst>
+          </p:cNvPr>
+          <p:cNvSpPr/>
+          <p:nvPr/>
+        </p:nvSpPr>
+        <p:spPr>
+          <a:xfrm>
+            <a:off x="2083028" y="3786259"/>
+            <a:ext cx="1335867" cy="1235452"/>
+          </a:xfrm>
+          <a:prstGeom prst="ellipse">
+            <a:avLst/>
+          </a:prstGeom>
+          <a:noFill/>
+          <a:ln>
+            <a:noFill/>
+          </a:ln>
+        </p:spPr>
+        <p:style>
+          <a:lnRef idx="2">
+            <a:schemeClr val="accent1">
+              <a:shade val="50000"/>
+            </a:schemeClr>
+          </a:lnRef>
+          <a:fillRef idx="1">
+            <a:schemeClr val="accent1"/>
+          </a:fillRef>
+          <a:effectRef idx="0">
+            <a:schemeClr val="accent1"/>
+          </a:effectRef>
+          <a:fontRef idx="minor">
+            <a:schemeClr val="lt1"/>
+          </a:fontRef>
+        </p:style>
+        <p:txBody>
+          <a:bodyPr rtlCol="0" anchor="ctr"/>
+          <a:lstStyle/>
+          <a:p>
+            <a:pPr algn="ctr"/>
+            <a:endParaRPr lang="en-US"/>
+          </a:p>
+        </p:txBody>
+      </p:sp>
+      <p:sp>
+        <p:nvSpPr>
+          <p:cNvPr id="9" name="Oval 8">
+            <a:hlinkClick r:id="rId4" action="ppaction://hlinksldjump"/>
+            <a:extLst>
+              <a:ext uri="{FF2B5EF4-FFF2-40B4-BE49-F238E27FC236}">
+                <a16:creationId xmlns:a16="http://schemas.microsoft.com/office/drawing/2014/main" id="{29B85C8E-E261-2FB5-C009-9B3DB93F5290}"/>
+              </a:ext>
+            </a:extLst>
+          </p:cNvPr>
+          <p:cNvSpPr/>
+          <p:nvPr/>
+        </p:nvSpPr>
+        <p:spPr>
+          <a:xfrm>
+            <a:off x="2000222" y="3719018"/>
+            <a:ext cx="1416359" cy="1314045"/>
+          </a:xfrm>
+          <a:prstGeom prst="ellipse">
+            <a:avLst/>
+          </a:prstGeom>
+          <a:noFill/>
+          <a:ln>
+            <a:noFill/>
+          </a:ln>
+        </p:spPr>
+        <p:style>
+          <a:lnRef idx="2">
+            <a:schemeClr val="accent1">
+              <a:shade val="50000"/>
+            </a:schemeClr>
+          </a:lnRef>
+          <a:fillRef idx="1">
+            <a:schemeClr val="accent1"/>
+          </a:fillRef>
+          <a:effectRef idx="0">
+            <a:schemeClr val="accent1"/>
+          </a:effectRef>
+          <a:fontRef idx="minor">
+            <a:schemeClr val="lt1"/>
+          </a:fontRef>
+        </p:style>
+        <p:txBody>
+          <a:bodyPr rtlCol="0" anchor="ctr"/>
+          <a:lstStyle/>
+          <a:p>
+            <a:pPr algn="ctr"/>
+            <a:endParaRPr lang="en-US"/>
+          </a:p>
+        </p:txBody>
+      </p:sp>
       <p:pic>
         <p:nvPicPr>
-          <p:cNvPr id="4" name="Picture 3" descr="A group of colorful circles on a black background&#10;&#10;Description automatically generated">
-            <a:extLst>
-              <a:ext uri="{FF2B5EF4-FFF2-40B4-BE49-F238E27FC236}">
-                <a16:creationId xmlns:a16="http://schemas.microsoft.com/office/drawing/2014/main" id="{F60AB80A-D2C8-1DE9-D7FB-DA80E1E67BDE}"/>
+          <p:cNvPr id="10" name="Picture 9" descr="A group of colorful circles on a black background&#10;&#10;Description automatically generated">
+            <a:extLst>
+              <a:ext uri="{FF2B5EF4-FFF2-40B4-BE49-F238E27FC236}">
+                <a16:creationId xmlns:a16="http://schemas.microsoft.com/office/drawing/2014/main" id="{A6388FCE-F4CD-8449-06B5-E46614E0DF16}"/>
               </a:ext>
             </a:extLst>
           </p:cNvPr>
@@ -4848,15 +5772,15 @@
           <p:nvPr/>
         </p:nvPicPr>
         <p:blipFill>
-          <a:blip r:embed="rId2"/>
+          <a:blip r:embed="rId5"/>
           <a:stretch>
             <a:fillRect/>
           </a:stretch>
         </p:blipFill>
         <p:spPr>
-          <a:xfrm>
-            <a:off x="838200" y="2463195"/>
-            <a:ext cx="3649148" cy="3718790"/>
+          <a:xfrm rot="2646666">
+            <a:off x="2637476" y="3805127"/>
+            <a:ext cx="3029730" cy="3087550"/>
           </a:xfrm>
           <a:prstGeom prst="rect">
             <a:avLst/>
@@ -4865,62 +5789,8 @@
       </p:pic>
       <p:sp>
         <p:nvSpPr>
-          <p:cNvPr id="5" name="TextBox 4">
-            <a:extLst>
-              <a:ext uri="{FF2B5EF4-FFF2-40B4-BE49-F238E27FC236}">
-                <a16:creationId xmlns:a16="http://schemas.microsoft.com/office/drawing/2014/main" id="{68164F4C-C4BD-3F22-8925-C27A3792380E}"/>
-              </a:ext>
-            </a:extLst>
-          </p:cNvPr>
-          <p:cNvSpPr txBox="1"/>
-          <p:nvPr/>
-        </p:nvSpPr>
-        <p:spPr>
-          <a:xfrm>
-            <a:off x="534179" y="3439095"/>
-            <a:ext cx="10091739" cy="1737397"/>
-          </a:xfrm>
-          <a:prstGeom prst="rect">
-            <a:avLst/>
-          </a:prstGeom>
-          <a:noFill/>
-        </p:spPr>
-        <p:txBody>
-          <a:bodyPr wrap="square" rtlCol="0">
-            <a:spAutoFit/>
-          </a:bodyPr>
-          <a:lstStyle/>
-          <a:p>
-            <a:pPr defTabSz="786384">
-              <a:spcAft>
-                <a:spcPts val="600"/>
-              </a:spcAft>
-            </a:pPr>
-            <a:r>
-              <a:rPr lang="en-US" sz="10750" kern="1200" dirty="0">
-                <a:solidFill>
-                  <a:schemeClr val="tx1"/>
-                </a:solidFill>
-                <a:latin typeface="Microsoft YaHei" panose="020B0503020204020204" pitchFamily="34" charset="-122"/>
-                <a:ea typeface="Microsoft YaHei" panose="020B0503020204020204" pitchFamily="34" charset="-122"/>
-              </a:rPr>
-              <a:t>C       LAB</a:t>
-            </a:r>
-            <a:endParaRPr lang="en-US" sz="12500" dirty="0">
-              <a:solidFill>
-                <a:schemeClr val="bg2">
-                  <a:lumMod val="90000"/>
-                </a:schemeClr>
-              </a:solidFill>
-              <a:latin typeface="Microsoft YaHei" panose="020B0503020204020204" pitchFamily="34" charset="-122"/>
-              <a:ea typeface="Microsoft YaHei" panose="020B0503020204020204" pitchFamily="34" charset="-122"/>
-            </a:endParaRPr>
-          </a:p>
-        </p:txBody>
-      </p:sp>
-      <p:sp>
-        <p:nvSpPr>
           <p:cNvPr id="2" name="Oval 1">
+            <a:hlinkClick r:id="rId6" action="ppaction://hlinksldjump"/>
             <a:extLst>
               <a:ext uri="{FF2B5EF4-FFF2-40B4-BE49-F238E27FC236}">
                 <a16:creationId xmlns:a16="http://schemas.microsoft.com/office/drawing/2014/main" id="{6D79C235-762B-BF09-60FD-D5AD44888218}"/>
@@ -4932,8 +5802,8 @@
         </p:nvSpPr>
         <p:spPr>
           <a:xfrm>
-            <a:off x="1167195" y="1959170"/>
-            <a:ext cx="1583768" cy="1576117"/>
+            <a:off x="498764" y="332509"/>
+            <a:ext cx="11055927" cy="4283247"/>
           </a:xfrm>
           <a:prstGeom prst="ellipse">
             <a:avLst/>
@@ -4968,17 +5838,17 @@
           <a:lstStyle/>
           <a:p>
             <a:pPr algn="ctr"/>
-            <a:endParaRPr lang="en-US"/>
-          </a:p>
-        </p:txBody>
-      </p:sp>
-      <p:sp>
-        <p:nvSpPr>
-          <p:cNvPr id="7" name="Oval 6">
-            <a:hlinkClick r:id="rId3" action="ppaction://hlinksldjump"/>
-            <a:extLst>
-              <a:ext uri="{FF2B5EF4-FFF2-40B4-BE49-F238E27FC236}">
-                <a16:creationId xmlns:a16="http://schemas.microsoft.com/office/drawing/2014/main" id="{C09D9499-8A91-7E96-E079-31961E567FEC}"/>
+            <a:endParaRPr lang="en-US" dirty="0"/>
+          </a:p>
+        </p:txBody>
+      </p:sp>
+      <p:sp>
+        <p:nvSpPr>
+          <p:cNvPr id="13" name="Oval 12">
+            <a:hlinkClick r:id="rId4" action="ppaction://hlinksldjump"/>
+            <a:extLst>
+              <a:ext uri="{FF2B5EF4-FFF2-40B4-BE49-F238E27FC236}">
+                <a16:creationId xmlns:a16="http://schemas.microsoft.com/office/drawing/2014/main" id="{C4925473-E399-DA6E-50CA-9DECE8F38943}"/>
               </a:ext>
             </a:extLst>
           </p:cNvPr>
@@ -4987,8 +5857,8 @@
         </p:nvSpPr>
         <p:spPr>
           <a:xfrm>
-            <a:off x="2200547" y="3862447"/>
-            <a:ext cx="1100831" cy="1083076"/>
+            <a:off x="3148641" y="4565355"/>
+            <a:ext cx="2059959" cy="1747492"/>
           </a:xfrm>
           <a:prstGeom prst="ellipse">
             <a:avLst/>
@@ -5019,159 +5889,10 @@
           <a:lstStyle/>
           <a:p>
             <a:pPr algn="ctr"/>
-            <a:endParaRPr lang="en-US"/>
-          </a:p>
-        </p:txBody>
-      </p:sp>
-      <p:sp>
-        <p:nvSpPr>
-          <p:cNvPr id="8" name="Oval 7">
-            <a:hlinkClick r:id="rId4" action="ppaction://hlinksldjump"/>
-            <a:extLst>
-              <a:ext uri="{FF2B5EF4-FFF2-40B4-BE49-F238E27FC236}">
-                <a16:creationId xmlns:a16="http://schemas.microsoft.com/office/drawing/2014/main" id="{CC1F8DBC-FF36-D8ED-C047-DD09AFE11AF5}"/>
-              </a:ext>
-            </a:extLst>
-          </p:cNvPr>
-          <p:cNvSpPr/>
-          <p:nvPr/>
-        </p:nvSpPr>
-        <p:spPr>
-          <a:xfrm>
-            <a:off x="2908851" y="2916152"/>
-            <a:ext cx="785054" cy="782715"/>
-          </a:xfrm>
-          <a:prstGeom prst="ellipse">
-            <a:avLst/>
-          </a:prstGeom>
-          <a:noFill/>
-          <a:ln>
-            <a:noFill/>
-          </a:ln>
-        </p:spPr>
-        <p:style>
-          <a:lnRef idx="2">
-            <a:schemeClr val="accent1">
-              <a:shade val="50000"/>
-            </a:schemeClr>
-          </a:lnRef>
-          <a:fillRef idx="1">
-            <a:schemeClr val="accent1"/>
-          </a:fillRef>
-          <a:effectRef idx="0">
-            <a:schemeClr val="accent1"/>
-          </a:effectRef>
-          <a:fontRef idx="minor">
-            <a:schemeClr val="lt1"/>
-          </a:fontRef>
-        </p:style>
-        <p:txBody>
-          <a:bodyPr rtlCol="0" anchor="ctr"/>
-          <a:lstStyle/>
-          <a:p>
-            <a:pPr algn="ctr"/>
-            <a:endParaRPr lang="en-US"/>
-          </a:p>
-        </p:txBody>
-      </p:sp>
-      <p:sp>
-        <p:nvSpPr>
-          <p:cNvPr id="3" name="Oval 2">
-            <a:extLst>
-              <a:ext uri="{FF2B5EF4-FFF2-40B4-BE49-F238E27FC236}">
-                <a16:creationId xmlns:a16="http://schemas.microsoft.com/office/drawing/2014/main" id="{7C895AB7-4F24-D7AD-8C3D-C76FE9A5D1B1}"/>
-              </a:ext>
-            </a:extLst>
-          </p:cNvPr>
-          <p:cNvSpPr/>
-          <p:nvPr/>
-        </p:nvSpPr>
-        <p:spPr>
-          <a:xfrm>
-            <a:off x="2083028" y="3786259"/>
-            <a:ext cx="1335867" cy="1235452"/>
-          </a:xfrm>
-          <a:prstGeom prst="ellipse">
-            <a:avLst/>
-          </a:prstGeom>
-          <a:noFill/>
-          <a:ln>
-            <a:noFill/>
-          </a:ln>
-        </p:spPr>
-        <p:style>
-          <a:lnRef idx="2">
-            <a:schemeClr val="accent1">
-              <a:shade val="50000"/>
-            </a:schemeClr>
-          </a:lnRef>
-          <a:fillRef idx="1">
-            <a:schemeClr val="accent1"/>
-          </a:fillRef>
-          <a:effectRef idx="0">
-            <a:schemeClr val="accent1"/>
-          </a:effectRef>
-          <a:fontRef idx="minor">
-            <a:schemeClr val="lt1"/>
-          </a:fontRef>
-        </p:style>
-        <p:txBody>
-          <a:bodyPr rtlCol="0" anchor="ctr"/>
-          <a:lstStyle/>
-          <a:p>
-            <a:pPr algn="ctr"/>
-            <a:endParaRPr lang="en-US"/>
-          </a:p>
-        </p:txBody>
-      </p:sp>
-      <p:sp>
-        <p:nvSpPr>
-          <p:cNvPr id="9" name="Oval 8">
-            <a:hlinkClick r:id="rId5" action="ppaction://hlinksldjump"/>
-            <a:extLst>
-              <a:ext uri="{FF2B5EF4-FFF2-40B4-BE49-F238E27FC236}">
-                <a16:creationId xmlns:a16="http://schemas.microsoft.com/office/drawing/2014/main" id="{29B85C8E-E261-2FB5-C009-9B3DB93F5290}"/>
-              </a:ext>
-            </a:extLst>
-          </p:cNvPr>
-          <p:cNvSpPr/>
-          <p:nvPr/>
-        </p:nvSpPr>
-        <p:spPr>
-          <a:xfrm>
-            <a:off x="2000222" y="3719018"/>
-            <a:ext cx="1416359" cy="1314045"/>
-          </a:xfrm>
-          <a:prstGeom prst="ellipse">
-            <a:avLst/>
-          </a:prstGeom>
-          <a:noFill/>
-          <a:ln>
-            <a:noFill/>
-          </a:ln>
-        </p:spPr>
-        <p:style>
-          <a:lnRef idx="2">
-            <a:schemeClr val="accent1">
-              <a:shade val="50000"/>
-            </a:schemeClr>
-          </a:lnRef>
-          <a:fillRef idx="1">
-            <a:schemeClr val="accent1"/>
-          </a:fillRef>
-          <a:effectRef idx="0">
-            <a:schemeClr val="accent1"/>
-          </a:effectRef>
-          <a:fontRef idx="minor">
-            <a:schemeClr val="lt1"/>
-          </a:fontRef>
-        </p:style>
-        <p:txBody>
-          <a:bodyPr rtlCol="0" anchor="ctr"/>
-          <a:lstStyle/>
-          <a:p>
-            <a:pPr algn="ctr"/>
-            <a:endParaRPr lang="en-US"/>
+            <a:r>
+              <a:rPr lang="en-US" sz="2000" dirty="0"/>
+              <a:t>LOGIN</a:t>
+            </a:r>
           </a:p>
         </p:txBody>
       </p:sp>
@@ -5245,8 +5966,8 @@
         </p:nvSpPr>
         <p:spPr>
           <a:xfrm>
-            <a:off x="838200" y="184805"/>
-            <a:ext cx="10515600" cy="1505883"/>
+            <a:off x="2750962" y="-12551"/>
+            <a:ext cx="7486650" cy="1505883"/>
           </a:xfrm>
         </p:spPr>
         <p:txBody>
@@ -5263,17 +5984,119 @@
                 <a:latin typeface="Microsoft YaHei" panose="020B0503020204020204" pitchFamily="34" charset="-122"/>
                 <a:ea typeface="Microsoft YaHei" panose="020B0503020204020204" pitchFamily="34" charset="-122"/>
               </a:rPr>
-              <a:t>Cool Thing</a:t>
-            </a:r>
+              <a:t>Hear from your peers!</a:t>
+            </a:r>
+          </a:p>
+        </p:txBody>
+      </p:sp>
+      <p:sp>
+        <p:nvSpPr>
+          <p:cNvPr id="3" name="Oval 2">
+            <a:hlinkClick r:id="rId2" action="ppaction://hlinksldjump"/>
+            <a:extLst>
+              <a:ext uri="{FF2B5EF4-FFF2-40B4-BE49-F238E27FC236}">
+                <a16:creationId xmlns:a16="http://schemas.microsoft.com/office/drawing/2014/main" id="{2C942AED-73B2-52E2-6B5A-B5D1F184BD0C}"/>
+              </a:ext>
+            </a:extLst>
+          </p:cNvPr>
+          <p:cNvSpPr/>
+          <p:nvPr/>
+        </p:nvSpPr>
+        <p:spPr>
+          <a:xfrm>
+            <a:off x="2200547" y="3862447"/>
+            <a:ext cx="1100831" cy="1083076"/>
+          </a:xfrm>
+          <a:prstGeom prst="ellipse">
+            <a:avLst/>
+          </a:prstGeom>
+          <a:noFill/>
+          <a:ln>
+            <a:noFill/>
+          </a:ln>
+        </p:spPr>
+        <p:style>
+          <a:lnRef idx="2">
+            <a:schemeClr val="accent1">
+              <a:shade val="50000"/>
+            </a:schemeClr>
+          </a:lnRef>
+          <a:fillRef idx="1">
+            <a:schemeClr val="accent1"/>
+          </a:fillRef>
+          <a:effectRef idx="0">
+            <a:schemeClr val="accent1"/>
+          </a:effectRef>
+          <a:fontRef idx="minor">
+            <a:schemeClr val="lt1"/>
+          </a:fontRef>
+        </p:style>
+        <p:txBody>
+          <a:bodyPr rtlCol="0" anchor="ctr"/>
+          <a:lstStyle/>
+          <a:p>
+            <a:pPr algn="ctr"/>
+            <a:endParaRPr lang="en-US"/>
+          </a:p>
+        </p:txBody>
+      </p:sp>
+      <p:sp>
+        <p:nvSpPr>
+          <p:cNvPr id="7" name="Oval 6">
+            <a:hlinkClick r:id="rId3" action="ppaction://hlinksldjump"/>
+            <a:extLst>
+              <a:ext uri="{FF2B5EF4-FFF2-40B4-BE49-F238E27FC236}">
+                <a16:creationId xmlns:a16="http://schemas.microsoft.com/office/drawing/2014/main" id="{04C78F41-60CA-4189-2C3F-DB00209D5518}"/>
+              </a:ext>
+            </a:extLst>
+          </p:cNvPr>
+          <p:cNvSpPr/>
+          <p:nvPr/>
+        </p:nvSpPr>
+        <p:spPr>
+          <a:xfrm>
+            <a:off x="1367160" y="2457703"/>
+            <a:ext cx="1100831" cy="1083076"/>
+          </a:xfrm>
+          <a:prstGeom prst="ellipse">
+            <a:avLst/>
+          </a:prstGeom>
+          <a:noFill/>
+          <a:ln>
+            <a:noFill/>
+          </a:ln>
+        </p:spPr>
+        <p:style>
+          <a:lnRef idx="2">
+            <a:schemeClr val="accent1">
+              <a:shade val="50000"/>
+            </a:schemeClr>
+          </a:lnRef>
+          <a:fillRef idx="1">
+            <a:schemeClr val="accent1"/>
+          </a:fillRef>
+          <a:effectRef idx="0">
+            <a:schemeClr val="accent1"/>
+          </a:effectRef>
+          <a:fontRef idx="minor">
+            <a:schemeClr val="lt1"/>
+          </a:fontRef>
+        </p:style>
+        <p:txBody>
+          <a:bodyPr rtlCol="0" anchor="ctr"/>
+          <a:lstStyle/>
+          <a:p>
+            <a:pPr algn="ctr"/>
+            <a:endParaRPr lang="en-US"/>
           </a:p>
         </p:txBody>
       </p:sp>
       <p:pic>
         <p:nvPicPr>
-          <p:cNvPr id="4" name="Picture 3" descr="A group of colorful circles on a black background&#10;&#10;Description automatically generated">
-            <a:extLst>
-              <a:ext uri="{FF2B5EF4-FFF2-40B4-BE49-F238E27FC236}">
-                <a16:creationId xmlns:a16="http://schemas.microsoft.com/office/drawing/2014/main" id="{F60AB80A-D2C8-1DE9-D7FB-DA80E1E67BDE}"/>
+          <p:cNvPr id="8" name="Picture 7" descr="A group of colorful circles on a black background&#10;&#10;Description automatically generated">
+            <a:extLst>
+              <a:ext uri="{FF2B5EF4-FFF2-40B4-BE49-F238E27FC236}">
+                <a16:creationId xmlns:a16="http://schemas.microsoft.com/office/drawing/2014/main" id="{58BC4062-96DD-BAAC-6008-A8657B1F5DB0}"/>
               </a:ext>
             </a:extLst>
           </p:cNvPr>
@@ -5283,15 +6106,15 @@
           <p:nvPr/>
         </p:nvPicPr>
         <p:blipFill>
-          <a:blip r:embed="rId2"/>
+          <a:blip r:embed="rId4"/>
           <a:stretch>
             <a:fillRect/>
           </a:stretch>
         </p:blipFill>
         <p:spPr>
-          <a:xfrm>
-            <a:off x="838200" y="2463195"/>
-            <a:ext cx="3649148" cy="3718790"/>
+          <a:xfrm rot="15888585">
+            <a:off x="8225518" y="3444678"/>
+            <a:ext cx="3535269" cy="3602736"/>
           </a:xfrm>
           <a:prstGeom prst="rect">
             <a:avLst/>
@@ -5300,61 +6123,6 @@
       </p:pic>
       <p:sp>
         <p:nvSpPr>
-          <p:cNvPr id="5" name="TextBox 4">
-            <a:extLst>
-              <a:ext uri="{FF2B5EF4-FFF2-40B4-BE49-F238E27FC236}">
-                <a16:creationId xmlns:a16="http://schemas.microsoft.com/office/drawing/2014/main" id="{68164F4C-C4BD-3F22-8925-C27A3792380E}"/>
-              </a:ext>
-            </a:extLst>
-          </p:cNvPr>
-          <p:cNvSpPr txBox="1"/>
-          <p:nvPr/>
-        </p:nvSpPr>
-        <p:spPr>
-          <a:xfrm>
-            <a:off x="567633" y="3535286"/>
-            <a:ext cx="10091739" cy="1737397"/>
-          </a:xfrm>
-          <a:prstGeom prst="rect">
-            <a:avLst/>
-          </a:prstGeom>
-          <a:noFill/>
-        </p:spPr>
-        <p:txBody>
-          <a:bodyPr wrap="square" rtlCol="0">
-            <a:spAutoFit/>
-          </a:bodyPr>
-          <a:lstStyle/>
-          <a:p>
-            <a:pPr defTabSz="786384">
-              <a:spcAft>
-                <a:spcPts val="600"/>
-              </a:spcAft>
-            </a:pPr>
-            <a:r>
-              <a:rPr lang="en-US" sz="10750" kern="1200" dirty="0">
-                <a:solidFill>
-                  <a:schemeClr val="tx1"/>
-                </a:solidFill>
-                <a:latin typeface="Microsoft YaHei" panose="020B0503020204020204" pitchFamily="34" charset="-122"/>
-                <a:ea typeface="Microsoft YaHei" panose="020B0503020204020204" pitchFamily="34" charset="-122"/>
-              </a:rPr>
-              <a:t>C       LAB</a:t>
-            </a:r>
-            <a:endParaRPr lang="en-US" sz="12500" dirty="0">
-              <a:solidFill>
-                <a:schemeClr val="bg2">
-                  <a:lumMod val="90000"/>
-                </a:schemeClr>
-              </a:solidFill>
-              <a:latin typeface="Microsoft YaHei" panose="020B0503020204020204" pitchFamily="34" charset="-122"/>
-              <a:ea typeface="Microsoft YaHei" panose="020B0503020204020204" pitchFamily="34" charset="-122"/>
-            </a:endParaRPr>
-          </a:p>
-        </p:txBody>
-      </p:sp>
-      <p:sp>
-        <p:nvSpPr>
           <p:cNvPr id="2" name="Oval 1">
             <a:extLst>
               <a:ext uri="{FF2B5EF4-FFF2-40B4-BE49-F238E27FC236}">
@@ -5367,8 +6135,8 @@
         </p:nvSpPr>
         <p:spPr>
           <a:xfrm>
-            <a:off x="2765175" y="2127846"/>
-            <a:ext cx="1583768" cy="1576117"/>
+            <a:off x="1244510" y="1493332"/>
+            <a:ext cx="8361255" cy="5012205"/>
           </a:xfrm>
           <a:prstGeom prst="ellipse">
             <a:avLst/>
@@ -5403,17 +6171,17 @@
           <a:lstStyle/>
           <a:p>
             <a:pPr algn="ctr"/>
-            <a:endParaRPr lang="en-US"/>
-          </a:p>
-        </p:txBody>
-      </p:sp>
-      <p:sp>
-        <p:nvSpPr>
-          <p:cNvPr id="3" name="Oval 2">
-            <a:hlinkClick r:id="rId3" action="ppaction://hlinksldjump"/>
-            <a:extLst>
-              <a:ext uri="{FF2B5EF4-FFF2-40B4-BE49-F238E27FC236}">
-                <a16:creationId xmlns:a16="http://schemas.microsoft.com/office/drawing/2014/main" id="{2C942AED-73B2-52E2-6B5A-B5D1F184BD0C}"/>
+            <a:endParaRPr lang="en-US" dirty="0"/>
+          </a:p>
+        </p:txBody>
+      </p:sp>
+      <p:sp>
+        <p:nvSpPr>
+          <p:cNvPr id="9" name="Oval 8">
+            <a:hlinkClick r:id="rId2" action="ppaction://hlinksldjump"/>
+            <a:extLst>
+              <a:ext uri="{FF2B5EF4-FFF2-40B4-BE49-F238E27FC236}">
+                <a16:creationId xmlns:a16="http://schemas.microsoft.com/office/drawing/2014/main" id="{ECB83697-8FFA-31E5-B043-C3C1921C6210}"/>
               </a:ext>
             </a:extLst>
           </p:cNvPr>
@@ -5422,8 +6190,8 @@
         </p:nvSpPr>
         <p:spPr>
           <a:xfrm>
-            <a:off x="2200547" y="3862447"/>
-            <a:ext cx="1100831" cy="1083076"/>
+            <a:off x="9013119" y="4285289"/>
+            <a:ext cx="2059959" cy="1747492"/>
           </a:xfrm>
           <a:prstGeom prst="ellipse">
             <a:avLst/>
@@ -5454,58 +6222,53 @@
           <a:lstStyle/>
           <a:p>
             <a:pPr algn="ctr"/>
-            <a:endParaRPr lang="en-US"/>
-          </a:p>
-        </p:txBody>
-      </p:sp>
-      <p:sp>
-        <p:nvSpPr>
-          <p:cNvPr id="7" name="Oval 6">
-            <a:hlinkClick r:id="rId4" action="ppaction://hlinksldjump"/>
-            <a:extLst>
-              <a:ext uri="{FF2B5EF4-FFF2-40B4-BE49-F238E27FC236}">
-                <a16:creationId xmlns:a16="http://schemas.microsoft.com/office/drawing/2014/main" id="{04C78F41-60CA-4189-2C3F-DB00209D5518}"/>
-              </a:ext>
-            </a:extLst>
-          </p:cNvPr>
-          <p:cNvSpPr/>
+            <a:r>
+              <a:rPr lang="en-US" sz="2300" dirty="0"/>
+              <a:t>LOGIN</a:t>
+            </a:r>
+          </a:p>
+        </p:txBody>
+      </p:sp>
+      <p:sp>
+        <p:nvSpPr>
+          <p:cNvPr id="11" name="TextBox 10">
+            <a:extLst>
+              <a:ext uri="{FF2B5EF4-FFF2-40B4-BE49-F238E27FC236}">
+                <a16:creationId xmlns:a16="http://schemas.microsoft.com/office/drawing/2014/main" id="{13A9AA11-B776-AFD3-D40B-DE4E08A182B8}"/>
+              </a:ext>
+            </a:extLst>
+          </p:cNvPr>
+          <p:cNvSpPr txBox="1"/>
           <p:nvPr/>
         </p:nvSpPr>
         <p:spPr>
           <a:xfrm>
-            <a:off x="1367160" y="2457703"/>
-            <a:ext cx="1100831" cy="1083076"/>
-          </a:xfrm>
-          <a:prstGeom prst="ellipse">
+            <a:off x="2994946" y="2687134"/>
+            <a:ext cx="4860382" cy="1200329"/>
+          </a:xfrm>
+          <a:prstGeom prst="rect">
             <a:avLst/>
           </a:prstGeom>
           <a:noFill/>
-          <a:ln>
-            <a:noFill/>
-          </a:ln>
-        </p:spPr>
-        <p:style>
-          <a:lnRef idx="2">
-            <a:schemeClr val="accent1">
-              <a:shade val="50000"/>
-            </a:schemeClr>
-          </a:lnRef>
-          <a:fillRef idx="1">
-            <a:schemeClr val="accent1"/>
-          </a:fillRef>
-          <a:effectRef idx="0">
-            <a:schemeClr val="accent1"/>
-          </a:effectRef>
-          <a:fontRef idx="minor">
-            <a:schemeClr val="lt1"/>
-          </a:fontRef>
-        </p:style>
-        <p:txBody>
-          <a:bodyPr rtlCol="0" anchor="ctr"/>
-          <a:lstStyle/>
-          <a:p>
-            <a:pPr algn="ctr"/>
-            <a:endParaRPr lang="en-US"/>
+        </p:spPr>
+        <p:txBody>
+          <a:bodyPr wrap="square" rtlCol="0">
+            <a:spAutoFit/>
+          </a:bodyPr>
+          <a:lstStyle/>
+          <a:p>
+            <a:r>
+              <a:rPr lang="en-US" sz="2400" dirty="0"/>
+              <a:t>Voted </a:t>
+            </a:r>
+            <a:r>
+              <a:rPr lang="en-US" sz="2400" dirty="0">
+                <a:latin typeface="Microsoft YaHei" panose="020B0503020204020204" pitchFamily="34" charset="-122"/>
+                <a:ea typeface="Microsoft YaHei" panose="020B0503020204020204" pitchFamily="34" charset="-122"/>
+              </a:rPr>
+              <a:t>The BEST way to give and get feedback in the nation by Google </a:t>
+            </a:r>
+            <a:endParaRPr lang="en-US" sz="2400" dirty="0"/>
           </a:p>
         </p:txBody>
       </p:sp>
@@ -5519,13 +6282,1155 @@
   <p:clrMapOvr>
     <a:masterClrMapping/>
   </p:clrMapOvr>
-  <mc:AlternateContent xmlns:mc="http://schemas.openxmlformats.org/markup-compatibility/2006" xmlns:p159="http://schemas.microsoft.com/office/powerpoint/2015/09/main">
-    <mc:Choice Requires="p159">
+  <mc:AlternateContent xmlns:mc="http://schemas.openxmlformats.org/markup-compatibility/2006">
+    <mc:Choice xmlns:p159="http://schemas.microsoft.com/office/powerpoint/2015/09/main" Requires="p159">
+      <p:transition spd="slow">
+        <p159:morph option="byObject"/>
+      </p:transition>
+    </mc:Choice>
+    <mc:Fallback>
+      <p:transition spd="slow">
+        <p:fade/>
+      </p:transition>
+    </mc:Fallback>
+  </mc:AlternateContent>
+</p:sld>
+</file>
+
+<file path=ppt/slides/slide6.xml><?xml version="1.0" encoding="utf-8"?>
+<p:sld xmlns:a="http://schemas.openxmlformats.org/drawingml/2006/main" xmlns:r="http://schemas.openxmlformats.org/officeDocument/2006/relationships" xmlns:p="http://schemas.openxmlformats.org/presentationml/2006/main">
+  <p:cSld>
+    <p:bg>
+      <p:bgPr>
+        <a:solidFill>
+          <a:schemeClr val="accent1">
+            <a:lumMod val="75000"/>
+          </a:schemeClr>
+        </a:solidFill>
+        <a:effectLst/>
+      </p:bgPr>
+    </p:bg>
+    <p:spTree>
+      <p:nvGrpSpPr>
+        <p:cNvPr id="1" name=""/>
+        <p:cNvGrpSpPr/>
+        <p:nvPr/>
+      </p:nvGrpSpPr>
+      <p:grpSpPr>
+        <a:xfrm>
+          <a:off x="0" y="0"/>
+          <a:ext cx="0" cy="0"/>
+          <a:chOff x="0" y="0"/>
+          <a:chExt cx="0" cy="0"/>
+        </a:xfrm>
+      </p:grpSpPr>
+      <p:sp>
+        <p:nvSpPr>
+          <p:cNvPr id="6" name="Title 5">
+            <a:extLst>
+              <a:ext uri="{FF2B5EF4-FFF2-40B4-BE49-F238E27FC236}">
+                <a16:creationId xmlns:a16="http://schemas.microsoft.com/office/drawing/2014/main" id="{F5A10964-9D56-B7C4-C9F9-71789FA3ACDF}"/>
+              </a:ext>
+            </a:extLst>
+          </p:cNvPr>
+          <p:cNvSpPr>
+            <a:spLocks noGrp="1"/>
+          </p:cNvSpPr>
+          <p:nvPr>
+            <p:ph type="title"/>
+          </p:nvPr>
+        </p:nvSpPr>
+        <p:spPr>
+          <a:xfrm>
+            <a:off x="838200" y="184805"/>
+            <a:ext cx="10515600" cy="1505883"/>
+          </a:xfrm>
+        </p:spPr>
+        <p:txBody>
+          <a:bodyPr anchor="ctr">
+            <a:normAutofit/>
+          </a:bodyPr>
+          <a:lstStyle/>
+          <a:p>
+            <a:r>
+              <a:rPr lang="en-US" sz="5200" dirty="0">
+                <a:solidFill>
+                  <a:schemeClr val="bg1"/>
+                </a:solidFill>
+                <a:latin typeface="Microsoft YaHei" panose="020B0503020204020204" pitchFamily="34" charset="-122"/>
+                <a:ea typeface="Microsoft YaHei" panose="020B0503020204020204" pitchFamily="34" charset="-122"/>
+              </a:rPr>
+              <a:t>Our Mission</a:t>
+            </a:r>
+          </a:p>
+        </p:txBody>
+      </p:sp>
+      <p:sp>
+        <p:nvSpPr>
+          <p:cNvPr id="5" name="TextBox 4">
+            <a:extLst>
+              <a:ext uri="{FF2B5EF4-FFF2-40B4-BE49-F238E27FC236}">
+                <a16:creationId xmlns:a16="http://schemas.microsoft.com/office/drawing/2014/main" id="{68164F4C-C4BD-3F22-8925-C27A3792380E}"/>
+              </a:ext>
+            </a:extLst>
+          </p:cNvPr>
+          <p:cNvSpPr txBox="1"/>
+          <p:nvPr/>
+        </p:nvSpPr>
+        <p:spPr>
+          <a:xfrm>
+            <a:off x="567633" y="3535286"/>
+            <a:ext cx="10091739" cy="1737397"/>
+          </a:xfrm>
+          <a:prstGeom prst="rect">
+            <a:avLst/>
+          </a:prstGeom>
+          <a:noFill/>
+        </p:spPr>
+        <p:txBody>
+          <a:bodyPr wrap="square" rtlCol="0">
+            <a:spAutoFit/>
+          </a:bodyPr>
+          <a:lstStyle/>
+          <a:p>
+            <a:pPr defTabSz="786384">
+              <a:spcAft>
+                <a:spcPts val="600"/>
+              </a:spcAft>
+            </a:pPr>
+            <a:r>
+              <a:rPr lang="en-US" sz="10750" kern="1200" dirty="0">
+                <a:solidFill>
+                  <a:schemeClr val="bg1"/>
+                </a:solidFill>
+                <a:latin typeface="Microsoft YaHei" panose="020B0503020204020204" pitchFamily="34" charset="-122"/>
+                <a:ea typeface="Microsoft YaHei" panose="020B0503020204020204" pitchFamily="34" charset="-122"/>
+              </a:rPr>
+              <a:t>C       LAB</a:t>
+            </a:r>
+            <a:endParaRPr lang="en-US" sz="12500" dirty="0">
+              <a:solidFill>
+                <a:schemeClr val="bg1"/>
+              </a:solidFill>
+              <a:latin typeface="Microsoft YaHei" panose="020B0503020204020204" pitchFamily="34" charset="-122"/>
+              <a:ea typeface="Microsoft YaHei" panose="020B0503020204020204" pitchFamily="34" charset="-122"/>
+            </a:endParaRPr>
+          </a:p>
+        </p:txBody>
+      </p:sp>
+      <p:sp>
+        <p:nvSpPr>
+          <p:cNvPr id="3" name="Oval 2">
+            <a:hlinkClick r:id="rId2" action="ppaction://hlinksldjump"/>
+            <a:extLst>
+              <a:ext uri="{FF2B5EF4-FFF2-40B4-BE49-F238E27FC236}">
+                <a16:creationId xmlns:a16="http://schemas.microsoft.com/office/drawing/2014/main" id="{2C942AED-73B2-52E2-6B5A-B5D1F184BD0C}"/>
+              </a:ext>
+            </a:extLst>
+          </p:cNvPr>
+          <p:cNvSpPr/>
+          <p:nvPr/>
+        </p:nvSpPr>
+        <p:spPr>
+          <a:xfrm>
+            <a:off x="2200547" y="3862447"/>
+            <a:ext cx="1100831" cy="1083076"/>
+          </a:xfrm>
+          <a:prstGeom prst="ellipse">
+            <a:avLst/>
+          </a:prstGeom>
+          <a:noFill/>
+          <a:ln>
+            <a:noFill/>
+          </a:ln>
+        </p:spPr>
+        <p:style>
+          <a:lnRef idx="2">
+            <a:schemeClr val="accent1">
+              <a:shade val="50000"/>
+            </a:schemeClr>
+          </a:lnRef>
+          <a:fillRef idx="1">
+            <a:schemeClr val="accent1"/>
+          </a:fillRef>
+          <a:effectRef idx="0">
+            <a:schemeClr val="accent1"/>
+          </a:effectRef>
+          <a:fontRef idx="minor">
+            <a:schemeClr val="lt1"/>
+          </a:fontRef>
+        </p:style>
+        <p:txBody>
+          <a:bodyPr rtlCol="0" anchor="ctr"/>
+          <a:lstStyle/>
+          <a:p>
+            <a:pPr algn="ctr"/>
+            <a:endParaRPr lang="en-US"/>
+          </a:p>
+        </p:txBody>
+      </p:sp>
+      <p:sp>
+        <p:nvSpPr>
+          <p:cNvPr id="7" name="Oval 6">
+            <a:hlinkClick r:id="rId3" action="ppaction://hlinksldjump"/>
+            <a:extLst>
+              <a:ext uri="{FF2B5EF4-FFF2-40B4-BE49-F238E27FC236}">
+                <a16:creationId xmlns:a16="http://schemas.microsoft.com/office/drawing/2014/main" id="{04C78F41-60CA-4189-2C3F-DB00209D5518}"/>
+              </a:ext>
+            </a:extLst>
+          </p:cNvPr>
+          <p:cNvSpPr/>
+          <p:nvPr/>
+        </p:nvSpPr>
+        <p:spPr>
+          <a:xfrm>
+            <a:off x="3695458" y="4945523"/>
+            <a:ext cx="1100831" cy="1083076"/>
+          </a:xfrm>
+          <a:prstGeom prst="ellipse">
+            <a:avLst/>
+          </a:prstGeom>
+          <a:noFill/>
+          <a:ln>
+            <a:noFill/>
+          </a:ln>
+        </p:spPr>
+        <p:style>
+          <a:lnRef idx="2">
+            <a:schemeClr val="accent1">
+              <a:shade val="50000"/>
+            </a:schemeClr>
+          </a:lnRef>
+          <a:fillRef idx="1">
+            <a:schemeClr val="accent1"/>
+          </a:fillRef>
+          <a:effectRef idx="0">
+            <a:schemeClr val="accent1"/>
+          </a:effectRef>
+          <a:fontRef idx="minor">
+            <a:schemeClr val="lt1"/>
+          </a:fontRef>
+        </p:style>
+        <p:txBody>
+          <a:bodyPr rtlCol="0" anchor="ctr"/>
+          <a:lstStyle/>
+          <a:p>
+            <a:pPr algn="ctr"/>
+            <a:endParaRPr lang="en-US" dirty="0"/>
+          </a:p>
+        </p:txBody>
+      </p:sp>
+      <p:pic>
+        <p:nvPicPr>
+          <p:cNvPr id="8" name="Picture 7" descr="A group of colorful circles on a black background&#10;&#10;Description automatically generated">
+            <a:extLst>
+              <a:ext uri="{FF2B5EF4-FFF2-40B4-BE49-F238E27FC236}">
+                <a16:creationId xmlns:a16="http://schemas.microsoft.com/office/drawing/2014/main" id="{58BC4062-96DD-BAAC-6008-A8657B1F5DB0}"/>
+              </a:ext>
+            </a:extLst>
+          </p:cNvPr>
+          <p:cNvPicPr>
+            <a:picLocks noChangeAspect="1"/>
+          </p:cNvPicPr>
+          <p:nvPr/>
+        </p:nvPicPr>
+        <p:blipFill>
+          <a:blip r:embed="rId4"/>
+          <a:stretch>
+            <a:fillRect/>
+          </a:stretch>
+        </p:blipFill>
+        <p:spPr>
+          <a:xfrm rot="10069269">
+            <a:off x="1253551" y="2054211"/>
+            <a:ext cx="4315693" cy="4398053"/>
+          </a:xfrm>
+          <a:prstGeom prst="rect">
+            <a:avLst/>
+          </a:prstGeom>
+        </p:spPr>
+      </p:pic>
+      <p:sp>
+        <p:nvSpPr>
+          <p:cNvPr id="2" name="Oval 1">
+            <a:hlinkClick r:id="rId5" action="ppaction://hlinksldjump"/>
+            <a:extLst>
+              <a:ext uri="{FF2B5EF4-FFF2-40B4-BE49-F238E27FC236}">
+                <a16:creationId xmlns:a16="http://schemas.microsoft.com/office/drawing/2014/main" id="{6D79C235-762B-BF09-60FD-D5AD44888218}"/>
+              </a:ext>
+            </a:extLst>
+          </p:cNvPr>
+          <p:cNvSpPr/>
+          <p:nvPr/>
+        </p:nvSpPr>
+        <p:spPr>
+          <a:xfrm>
+            <a:off x="1167194" y="2018561"/>
+            <a:ext cx="1583768" cy="1576117"/>
+          </a:xfrm>
+          <a:prstGeom prst="ellipse">
+            <a:avLst/>
+          </a:prstGeom>
+          <a:solidFill>
+            <a:srgbClr val="BE37F4"/>
+          </a:solidFill>
+          <a:ln w="76200">
+            <a:solidFill>
+              <a:schemeClr val="tx1"/>
+            </a:solidFill>
+          </a:ln>
+        </p:spPr>
+        <p:style>
+          <a:lnRef idx="2">
+            <a:schemeClr val="accent1">
+              <a:shade val="50000"/>
+            </a:schemeClr>
+          </a:lnRef>
+          <a:fillRef idx="1">
+            <a:schemeClr val="accent1"/>
+          </a:fillRef>
+          <a:effectRef idx="0">
+            <a:schemeClr val="accent1"/>
+          </a:effectRef>
+          <a:fontRef idx="minor">
+            <a:schemeClr val="lt1"/>
+          </a:fontRef>
+        </p:style>
+        <p:txBody>
+          <a:bodyPr rtlCol="0" anchor="ctr"/>
+          <a:lstStyle/>
+          <a:p>
+            <a:pPr algn="ctr"/>
+            <a:endParaRPr lang="en-US" dirty="0"/>
+          </a:p>
+        </p:txBody>
+      </p:sp>
+      <p:sp>
+        <p:nvSpPr>
+          <p:cNvPr id="4" name="Oval 3">
+            <a:extLst>
+              <a:ext uri="{FF2B5EF4-FFF2-40B4-BE49-F238E27FC236}">
+                <a16:creationId xmlns:a16="http://schemas.microsoft.com/office/drawing/2014/main" id="{F1716A1F-1D5B-78EC-69D8-F28FE14D3DD1}"/>
+              </a:ext>
+            </a:extLst>
+          </p:cNvPr>
+          <p:cNvSpPr/>
+          <p:nvPr/>
+        </p:nvSpPr>
+        <p:spPr>
+          <a:xfrm>
+            <a:off x="2339913" y="3408155"/>
+            <a:ext cx="1922929" cy="1505883"/>
+          </a:xfrm>
+          <a:prstGeom prst="ellipse">
+            <a:avLst/>
+          </a:prstGeom>
+          <a:noFill/>
+          <a:ln>
+            <a:noFill/>
+          </a:ln>
+        </p:spPr>
+        <p:style>
+          <a:lnRef idx="2">
+            <a:schemeClr val="accent1">
+              <a:shade val="50000"/>
+            </a:schemeClr>
+          </a:lnRef>
+          <a:fillRef idx="1">
+            <a:schemeClr val="accent1"/>
+          </a:fillRef>
+          <a:effectRef idx="0">
+            <a:schemeClr val="accent1"/>
+          </a:effectRef>
+          <a:fontRef idx="minor">
+            <a:schemeClr val="lt1"/>
+          </a:fontRef>
+        </p:style>
+        <p:txBody>
+          <a:bodyPr rtlCol="0" anchor="ctr"/>
+          <a:lstStyle/>
+          <a:p>
+            <a:pPr algn="ctr"/>
+            <a:r>
+              <a:rPr lang="en-US" sz="3000" dirty="0"/>
+              <a:t>LOGIN</a:t>
+            </a:r>
+          </a:p>
+        </p:txBody>
+      </p:sp>
+      <p:sp>
+        <p:nvSpPr>
+          <p:cNvPr id="9" name="TextBox 8">
+            <a:extLst>
+              <a:ext uri="{FF2B5EF4-FFF2-40B4-BE49-F238E27FC236}">
+                <a16:creationId xmlns:a16="http://schemas.microsoft.com/office/drawing/2014/main" id="{64B15CC5-20E9-A05C-208C-2A996D3E47F0}"/>
+              </a:ext>
+            </a:extLst>
+          </p:cNvPr>
+          <p:cNvSpPr txBox="1"/>
+          <p:nvPr/>
+        </p:nvSpPr>
+        <p:spPr>
+          <a:xfrm>
+            <a:off x="6575612" y="937746"/>
+            <a:ext cx="5298141" cy="830997"/>
+          </a:xfrm>
+          <a:prstGeom prst="rect">
+            <a:avLst/>
+          </a:prstGeom>
+          <a:noFill/>
+        </p:spPr>
+        <p:txBody>
+          <a:bodyPr wrap="square" rtlCol="0">
+            <a:spAutoFit/>
+          </a:bodyPr>
+          <a:lstStyle/>
+          <a:p>
+            <a:r>
+              <a:rPr lang="en-US" sz="2400" dirty="0">
+                <a:solidFill>
+                  <a:schemeClr val="bg1"/>
+                </a:solidFill>
+              </a:rPr>
+              <a:t>We, at CoLab, aim to help you collaborate with other</a:t>
+            </a:r>
+          </a:p>
+        </p:txBody>
+      </p:sp>
+    </p:spTree>
+    <p:extLst>
+      <p:ext uri="{BB962C8B-B14F-4D97-AF65-F5344CB8AC3E}">
+        <p14:creationId xmlns:p14="http://schemas.microsoft.com/office/powerpoint/2010/main" val="1447634351"/>
+      </p:ext>
+    </p:extLst>
+  </p:cSld>
+  <p:clrMapOvr>
+    <a:masterClrMapping/>
+  </p:clrMapOvr>
+  <mc:AlternateContent xmlns:mc="http://schemas.openxmlformats.org/markup-compatibility/2006">
+    <mc:Choice xmlns:p159="http://schemas.microsoft.com/office/powerpoint/2015/09/main" Requires="p159">
       <p:transition xmlns:p14="http://schemas.microsoft.com/office/powerpoint/2010/main" spd="slow" p14:dur="2000">
         <p159:morph option="byObject"/>
       </p:transition>
     </mc:Choice>
-    <mc:Fallback xmlns="">
+    <mc:Fallback>
+      <p:transition spd="slow">
+        <p:fade/>
+      </p:transition>
+    </mc:Fallback>
+  </mc:AlternateContent>
+</p:sld>
+</file>
+
+<file path=ppt/slides/slide7.xml><?xml version="1.0" encoding="utf-8"?>
+<p:sld xmlns:a="http://schemas.openxmlformats.org/drawingml/2006/main" xmlns:r="http://schemas.openxmlformats.org/officeDocument/2006/relationships" xmlns:p="http://schemas.openxmlformats.org/presentationml/2006/main">
+  <p:cSld>
+    <p:bg>
+      <p:bgPr>
+        <a:solidFill>
+          <a:schemeClr val="accent1">
+            <a:lumMod val="75000"/>
+          </a:schemeClr>
+        </a:solidFill>
+        <a:effectLst/>
+      </p:bgPr>
+    </p:bg>
+    <p:spTree>
+      <p:nvGrpSpPr>
+        <p:cNvPr id="1" name=""/>
+        <p:cNvGrpSpPr/>
+        <p:nvPr/>
+      </p:nvGrpSpPr>
+      <p:grpSpPr>
+        <a:xfrm>
+          <a:off x="0" y="0"/>
+          <a:ext cx="0" cy="0"/>
+          <a:chOff x="0" y="0"/>
+          <a:chExt cx="0" cy="0"/>
+        </a:xfrm>
+      </p:grpSpPr>
+      <p:sp>
+        <p:nvSpPr>
+          <p:cNvPr id="6" name="Title 5">
+            <a:extLst>
+              <a:ext uri="{FF2B5EF4-FFF2-40B4-BE49-F238E27FC236}">
+                <a16:creationId xmlns:a16="http://schemas.microsoft.com/office/drawing/2014/main" id="{F5A10964-9D56-B7C4-C9F9-71789FA3ACDF}"/>
+              </a:ext>
+            </a:extLst>
+          </p:cNvPr>
+          <p:cNvSpPr>
+            <a:spLocks noGrp="1"/>
+          </p:cNvSpPr>
+          <p:nvPr>
+            <p:ph type="title"/>
+          </p:nvPr>
+        </p:nvSpPr>
+        <p:spPr>
+          <a:xfrm>
+            <a:off x="838200" y="184805"/>
+            <a:ext cx="10515600" cy="1505883"/>
+          </a:xfrm>
+        </p:spPr>
+        <p:txBody>
+          <a:bodyPr anchor="ctr">
+            <a:normAutofit/>
+          </a:bodyPr>
+          <a:lstStyle/>
+          <a:p>
+            <a:r>
+              <a:rPr lang="en-US" sz="5200" dirty="0">
+                <a:solidFill>
+                  <a:schemeClr val="bg1"/>
+                </a:solidFill>
+                <a:latin typeface="Microsoft YaHei" panose="020B0503020204020204" pitchFamily="34" charset="-122"/>
+                <a:ea typeface="Microsoft YaHei" panose="020B0503020204020204" pitchFamily="34" charset="-122"/>
+              </a:rPr>
+              <a:t>How To Use</a:t>
+            </a:r>
+          </a:p>
+        </p:txBody>
+      </p:sp>
+      <p:sp>
+        <p:nvSpPr>
+          <p:cNvPr id="5" name="TextBox 4">
+            <a:extLst>
+              <a:ext uri="{FF2B5EF4-FFF2-40B4-BE49-F238E27FC236}">
+                <a16:creationId xmlns:a16="http://schemas.microsoft.com/office/drawing/2014/main" id="{68164F4C-C4BD-3F22-8925-C27A3792380E}"/>
+              </a:ext>
+            </a:extLst>
+          </p:cNvPr>
+          <p:cNvSpPr txBox="1"/>
+          <p:nvPr/>
+        </p:nvSpPr>
+        <p:spPr>
+          <a:xfrm>
+            <a:off x="7424224" y="2610372"/>
+            <a:ext cx="5500697" cy="1477328"/>
+          </a:xfrm>
+          <a:prstGeom prst="rect">
+            <a:avLst/>
+          </a:prstGeom>
+          <a:noFill/>
+        </p:spPr>
+        <p:txBody>
+          <a:bodyPr wrap="square" rtlCol="0">
+            <a:spAutoFit/>
+          </a:bodyPr>
+          <a:lstStyle/>
+          <a:p>
+            <a:pPr defTabSz="786384">
+              <a:spcAft>
+                <a:spcPts val="600"/>
+              </a:spcAft>
+            </a:pPr>
+            <a:r>
+              <a:rPr lang="en-US" sz="9000" kern="1200" dirty="0">
+                <a:solidFill>
+                  <a:schemeClr val="bg1"/>
+                </a:solidFill>
+                <a:latin typeface="Microsoft YaHei" panose="020B0503020204020204" pitchFamily="34" charset="-122"/>
+                <a:ea typeface="Microsoft YaHei" panose="020B0503020204020204" pitchFamily="34" charset="-122"/>
+              </a:rPr>
+              <a:t>C     LAB</a:t>
+            </a:r>
+            <a:endParaRPr lang="en-US" sz="9000" dirty="0">
+              <a:solidFill>
+                <a:schemeClr val="bg1"/>
+              </a:solidFill>
+              <a:latin typeface="Microsoft YaHei" panose="020B0503020204020204" pitchFamily="34" charset="-122"/>
+              <a:ea typeface="Microsoft YaHei" panose="020B0503020204020204" pitchFamily="34" charset="-122"/>
+            </a:endParaRPr>
+          </a:p>
+        </p:txBody>
+      </p:sp>
+      <p:sp>
+        <p:nvSpPr>
+          <p:cNvPr id="3" name="Oval 2">
+            <a:hlinkClick r:id="rId2" action="ppaction://hlinksldjump"/>
+            <a:extLst>
+              <a:ext uri="{FF2B5EF4-FFF2-40B4-BE49-F238E27FC236}">
+                <a16:creationId xmlns:a16="http://schemas.microsoft.com/office/drawing/2014/main" id="{2C942AED-73B2-52E2-6B5A-B5D1F184BD0C}"/>
+              </a:ext>
+            </a:extLst>
+          </p:cNvPr>
+          <p:cNvSpPr/>
+          <p:nvPr/>
+        </p:nvSpPr>
+        <p:spPr>
+          <a:xfrm>
+            <a:off x="2200547" y="3862447"/>
+            <a:ext cx="1100831" cy="1083076"/>
+          </a:xfrm>
+          <a:prstGeom prst="ellipse">
+            <a:avLst/>
+          </a:prstGeom>
+          <a:noFill/>
+          <a:ln>
+            <a:noFill/>
+          </a:ln>
+        </p:spPr>
+        <p:style>
+          <a:lnRef idx="2">
+            <a:schemeClr val="accent1">
+              <a:shade val="50000"/>
+            </a:schemeClr>
+          </a:lnRef>
+          <a:fillRef idx="1">
+            <a:schemeClr val="accent1"/>
+          </a:fillRef>
+          <a:effectRef idx="0">
+            <a:schemeClr val="accent1"/>
+          </a:effectRef>
+          <a:fontRef idx="minor">
+            <a:schemeClr val="lt1"/>
+          </a:fontRef>
+        </p:style>
+        <p:txBody>
+          <a:bodyPr rtlCol="0" anchor="ctr"/>
+          <a:lstStyle/>
+          <a:p>
+            <a:pPr algn="ctr"/>
+            <a:endParaRPr lang="en-US"/>
+          </a:p>
+        </p:txBody>
+      </p:sp>
+      <p:sp>
+        <p:nvSpPr>
+          <p:cNvPr id="7" name="Oval 6">
+            <a:hlinkClick r:id="rId3" action="ppaction://hlinksldjump"/>
+            <a:extLst>
+              <a:ext uri="{FF2B5EF4-FFF2-40B4-BE49-F238E27FC236}">
+                <a16:creationId xmlns:a16="http://schemas.microsoft.com/office/drawing/2014/main" id="{04C78F41-60CA-4189-2C3F-DB00209D5518}"/>
+              </a:ext>
+            </a:extLst>
+          </p:cNvPr>
+          <p:cNvSpPr/>
+          <p:nvPr/>
+        </p:nvSpPr>
+        <p:spPr>
+          <a:xfrm>
+            <a:off x="1367160" y="2457703"/>
+            <a:ext cx="1100831" cy="1083076"/>
+          </a:xfrm>
+          <a:prstGeom prst="ellipse">
+            <a:avLst/>
+          </a:prstGeom>
+          <a:noFill/>
+          <a:ln>
+            <a:noFill/>
+          </a:ln>
+        </p:spPr>
+        <p:style>
+          <a:lnRef idx="2">
+            <a:schemeClr val="accent1">
+              <a:shade val="50000"/>
+            </a:schemeClr>
+          </a:lnRef>
+          <a:fillRef idx="1">
+            <a:schemeClr val="accent1"/>
+          </a:fillRef>
+          <a:effectRef idx="0">
+            <a:schemeClr val="accent1"/>
+          </a:effectRef>
+          <a:fontRef idx="minor">
+            <a:schemeClr val="lt1"/>
+          </a:fontRef>
+        </p:style>
+        <p:txBody>
+          <a:bodyPr rtlCol="0" anchor="ctr"/>
+          <a:lstStyle/>
+          <a:p>
+            <a:pPr algn="ctr"/>
+            <a:endParaRPr lang="en-US"/>
+          </a:p>
+        </p:txBody>
+      </p:sp>
+      <p:pic>
+        <p:nvPicPr>
+          <p:cNvPr id="8" name="Picture 7" descr="A group of colorful circles on a black background&#10;&#10;Description automatically generated">
+            <a:extLst>
+              <a:ext uri="{FF2B5EF4-FFF2-40B4-BE49-F238E27FC236}">
+                <a16:creationId xmlns:a16="http://schemas.microsoft.com/office/drawing/2014/main" id="{58BC4062-96DD-BAAC-6008-A8657B1F5DB0}"/>
+              </a:ext>
+            </a:extLst>
+          </p:cNvPr>
+          <p:cNvPicPr>
+            <a:picLocks noChangeAspect="1"/>
+          </p:cNvPicPr>
+          <p:nvPr/>
+        </p:nvPicPr>
+        <p:blipFill>
+          <a:blip r:embed="rId4"/>
+          <a:stretch>
+            <a:fillRect/>
+          </a:stretch>
+        </p:blipFill>
+        <p:spPr>
+          <a:xfrm rot="20083125">
+            <a:off x="8041126" y="-161436"/>
+            <a:ext cx="3634879" cy="3704247"/>
+          </a:xfrm>
+          <a:prstGeom prst="rect">
+            <a:avLst/>
+          </a:prstGeom>
+        </p:spPr>
+      </p:pic>
+      <p:sp>
+        <p:nvSpPr>
+          <p:cNvPr id="2" name="Oval 1">
+            <a:hlinkClick r:id="rId5" action="ppaction://hlinksldjump"/>
+            <a:extLst>
+              <a:ext uri="{FF2B5EF4-FFF2-40B4-BE49-F238E27FC236}">
+                <a16:creationId xmlns:a16="http://schemas.microsoft.com/office/drawing/2014/main" id="{6D79C235-762B-BF09-60FD-D5AD44888218}"/>
+              </a:ext>
+            </a:extLst>
+          </p:cNvPr>
+          <p:cNvSpPr/>
+          <p:nvPr/>
+        </p:nvSpPr>
+        <p:spPr>
+          <a:xfrm>
+            <a:off x="8407685" y="2457703"/>
+            <a:ext cx="1583768" cy="1576117"/>
+          </a:xfrm>
+          <a:prstGeom prst="ellipse">
+            <a:avLst/>
+          </a:prstGeom>
+          <a:solidFill>
+            <a:srgbClr val="F5EC00"/>
+          </a:solidFill>
+          <a:ln w="76200">
+            <a:solidFill>
+              <a:schemeClr val="tx1"/>
+            </a:solidFill>
+          </a:ln>
+        </p:spPr>
+        <p:style>
+          <a:lnRef idx="2">
+            <a:schemeClr val="accent1">
+              <a:shade val="50000"/>
+            </a:schemeClr>
+          </a:lnRef>
+          <a:fillRef idx="1">
+            <a:schemeClr val="accent1"/>
+          </a:fillRef>
+          <a:effectRef idx="0">
+            <a:schemeClr val="accent1"/>
+          </a:effectRef>
+          <a:fontRef idx="minor">
+            <a:schemeClr val="lt1"/>
+          </a:fontRef>
+        </p:style>
+        <p:txBody>
+          <a:bodyPr rtlCol="0" anchor="ctr"/>
+          <a:lstStyle/>
+          <a:p>
+            <a:pPr algn="ctr"/>
+            <a:endParaRPr lang="en-US" dirty="0"/>
+          </a:p>
+        </p:txBody>
+      </p:sp>
+      <p:sp>
+        <p:nvSpPr>
+          <p:cNvPr id="4" name="Oval 3">
+            <a:extLst>
+              <a:ext uri="{FF2B5EF4-FFF2-40B4-BE49-F238E27FC236}">
+                <a16:creationId xmlns:a16="http://schemas.microsoft.com/office/drawing/2014/main" id="{9C72A0B3-08A3-1CF3-34C0-E3013842356E}"/>
+              </a:ext>
+            </a:extLst>
+          </p:cNvPr>
+          <p:cNvSpPr/>
+          <p:nvPr/>
+        </p:nvSpPr>
+        <p:spPr>
+          <a:xfrm>
+            <a:off x="1870365" y="955965"/>
+            <a:ext cx="7315200" cy="5216236"/>
+          </a:xfrm>
+          <a:prstGeom prst="ellipse">
+            <a:avLst/>
+          </a:prstGeom>
+        </p:spPr>
+        <p:style>
+          <a:lnRef idx="2">
+            <a:schemeClr val="accent1">
+              <a:shade val="50000"/>
+            </a:schemeClr>
+          </a:lnRef>
+          <a:fillRef idx="1">
+            <a:schemeClr val="accent1"/>
+          </a:fillRef>
+          <a:effectRef idx="0">
+            <a:schemeClr val="accent1"/>
+          </a:effectRef>
+          <a:fontRef idx="minor">
+            <a:schemeClr val="lt1"/>
+          </a:fontRef>
+        </p:style>
+        <p:txBody>
+          <a:bodyPr rtlCol="0" anchor="ctr"/>
+          <a:lstStyle/>
+          <a:p>
+            <a:pPr algn="ctr"/>
+            <a:r>
+              <a:rPr lang="en-US" dirty="0"/>
+              <a:t>Use content in video… student coming in and using it!! The things that they will be using that will help them</a:t>
+            </a:r>
+          </a:p>
+          <a:p>
+            <a:pPr algn="ctr"/>
+            <a:r>
+              <a:rPr lang="en-US" dirty="0"/>
+              <a:t>Watch YT videos</a:t>
+            </a:r>
+          </a:p>
+          <a:p>
+            <a:pPr algn="ctr"/>
+            <a:r>
+              <a:rPr lang="en-US" dirty="0"/>
+              <a:t>Think about </a:t>
+            </a:r>
+            <a:r>
+              <a:rPr lang="en-US" dirty="0" err="1"/>
+              <a:t>hwo</a:t>
+            </a:r>
+            <a:r>
+              <a:rPr lang="en-US" dirty="0"/>
+              <a:t> you will plan for the future… </a:t>
+            </a:r>
+          </a:p>
+          <a:p>
+            <a:pPr algn="ctr"/>
+            <a:r>
+              <a:rPr lang="en-US" dirty="0"/>
+              <a:t>Bingo- read while chapter come up with 10 terms plus their definitions and go in evaluate then the ones that are good and build a bingo sheet…</a:t>
+            </a:r>
+          </a:p>
+          <a:p>
+            <a:pPr algn="ctr"/>
+            <a:endParaRPr lang="en-US" dirty="0"/>
+          </a:p>
+          <a:p>
+            <a:pPr algn="ctr"/>
+            <a:endParaRPr lang="en-US" dirty="0"/>
+          </a:p>
+          <a:p>
+            <a:pPr algn="ctr"/>
+            <a:r>
+              <a:rPr lang="en-US" dirty="0"/>
+              <a:t> </a:t>
+            </a:r>
+          </a:p>
+          <a:p>
+            <a:pPr algn="ctr"/>
+            <a:endParaRPr lang="en-US" dirty="0"/>
+          </a:p>
+        </p:txBody>
+      </p:sp>
+    </p:spTree>
+    <p:extLst>
+      <p:ext uri="{BB962C8B-B14F-4D97-AF65-F5344CB8AC3E}">
+        <p14:creationId xmlns:p14="http://schemas.microsoft.com/office/powerpoint/2010/main" val="3978894410"/>
+      </p:ext>
+    </p:extLst>
+  </p:cSld>
+  <p:clrMapOvr>
+    <a:masterClrMapping/>
+  </p:clrMapOvr>
+  <mc:AlternateContent xmlns:mc="http://schemas.openxmlformats.org/markup-compatibility/2006">
+    <mc:Choice xmlns:p159="http://schemas.microsoft.com/office/powerpoint/2015/09/main" Requires="p159">
+      <p:transition xmlns:p14="http://schemas.microsoft.com/office/powerpoint/2010/main" spd="slow" p14:dur="2000">
+        <p159:morph option="byObject"/>
+      </p:transition>
+    </mc:Choice>
+    <mc:Fallback>
+      <p:transition spd="slow">
+        <p:fade/>
+      </p:transition>
+    </mc:Fallback>
+  </mc:AlternateContent>
+</p:sld>
+</file>
+
+<file path=ppt/slides/slide8.xml><?xml version="1.0" encoding="utf-8"?>
+<p:sld xmlns:a="http://schemas.openxmlformats.org/drawingml/2006/main" xmlns:r="http://schemas.openxmlformats.org/officeDocument/2006/relationships" xmlns:p="http://schemas.openxmlformats.org/presentationml/2006/main">
+  <p:cSld>
+    <p:bg>
+      <p:bgPr>
+        <a:solidFill>
+          <a:schemeClr val="accent1">
+            <a:lumMod val="75000"/>
+          </a:schemeClr>
+        </a:solidFill>
+        <a:effectLst/>
+      </p:bgPr>
+    </p:bg>
+    <p:spTree>
+      <p:nvGrpSpPr>
+        <p:cNvPr id="1" name=""/>
+        <p:cNvGrpSpPr/>
+        <p:nvPr/>
+      </p:nvGrpSpPr>
+      <p:grpSpPr>
+        <a:xfrm>
+          <a:off x="0" y="0"/>
+          <a:ext cx="0" cy="0"/>
+          <a:chOff x="0" y="0"/>
+          <a:chExt cx="0" cy="0"/>
+        </a:xfrm>
+      </p:grpSpPr>
+      <p:sp>
+        <p:nvSpPr>
+          <p:cNvPr id="6" name="Title 5">
+            <a:extLst>
+              <a:ext uri="{FF2B5EF4-FFF2-40B4-BE49-F238E27FC236}">
+                <a16:creationId xmlns:a16="http://schemas.microsoft.com/office/drawing/2014/main" id="{F5A10964-9D56-B7C4-C9F9-71789FA3ACDF}"/>
+              </a:ext>
+            </a:extLst>
+          </p:cNvPr>
+          <p:cNvSpPr>
+            <a:spLocks noGrp="1"/>
+          </p:cNvSpPr>
+          <p:nvPr>
+            <p:ph type="title"/>
+          </p:nvPr>
+        </p:nvSpPr>
+        <p:spPr>
+          <a:xfrm>
+            <a:off x="6729881" y="0"/>
+            <a:ext cx="10515600" cy="1505883"/>
+          </a:xfrm>
+        </p:spPr>
+        <p:txBody>
+          <a:bodyPr anchor="ctr">
+            <a:normAutofit/>
+          </a:bodyPr>
+          <a:lstStyle/>
+          <a:p>
+            <a:r>
+              <a:rPr lang="en-US" sz="5200" dirty="0">
+                <a:solidFill>
+                  <a:schemeClr val="bg1"/>
+                </a:solidFill>
+                <a:latin typeface="Microsoft YaHei" panose="020B0503020204020204" pitchFamily="34" charset="-122"/>
+                <a:ea typeface="Microsoft YaHei" panose="020B0503020204020204" pitchFamily="34" charset="-122"/>
+              </a:rPr>
+              <a:t>Target Audience</a:t>
+            </a:r>
+          </a:p>
+        </p:txBody>
+      </p:sp>
+      <p:sp>
+        <p:nvSpPr>
+          <p:cNvPr id="3" name="Oval 2">
+            <a:hlinkClick r:id="rId2" action="ppaction://hlinksldjump"/>
+            <a:extLst>
+              <a:ext uri="{FF2B5EF4-FFF2-40B4-BE49-F238E27FC236}">
+                <a16:creationId xmlns:a16="http://schemas.microsoft.com/office/drawing/2014/main" id="{2C942AED-73B2-52E2-6B5A-B5D1F184BD0C}"/>
+              </a:ext>
+            </a:extLst>
+          </p:cNvPr>
+          <p:cNvSpPr/>
+          <p:nvPr/>
+        </p:nvSpPr>
+        <p:spPr>
+          <a:xfrm>
+            <a:off x="2200547" y="3862447"/>
+            <a:ext cx="1100831" cy="1083076"/>
+          </a:xfrm>
+          <a:prstGeom prst="ellipse">
+            <a:avLst/>
+          </a:prstGeom>
+          <a:noFill/>
+          <a:ln>
+            <a:noFill/>
+          </a:ln>
+        </p:spPr>
+        <p:style>
+          <a:lnRef idx="2">
+            <a:schemeClr val="accent1">
+              <a:shade val="50000"/>
+            </a:schemeClr>
+          </a:lnRef>
+          <a:fillRef idx="1">
+            <a:schemeClr val="accent1"/>
+          </a:fillRef>
+          <a:effectRef idx="0">
+            <a:schemeClr val="accent1"/>
+          </a:effectRef>
+          <a:fontRef idx="minor">
+            <a:schemeClr val="lt1"/>
+          </a:fontRef>
+        </p:style>
+        <p:txBody>
+          <a:bodyPr rtlCol="0" anchor="ctr"/>
+          <a:lstStyle/>
+          <a:p>
+            <a:pPr algn="ctr"/>
+            <a:endParaRPr lang="en-US"/>
+          </a:p>
+        </p:txBody>
+      </p:sp>
+      <p:sp>
+        <p:nvSpPr>
+          <p:cNvPr id="7" name="Oval 6">
+            <a:hlinkClick r:id="rId3" action="ppaction://hlinksldjump"/>
+            <a:extLst>
+              <a:ext uri="{FF2B5EF4-FFF2-40B4-BE49-F238E27FC236}">
+                <a16:creationId xmlns:a16="http://schemas.microsoft.com/office/drawing/2014/main" id="{04C78F41-60CA-4189-2C3F-DB00209D5518}"/>
+              </a:ext>
+            </a:extLst>
+          </p:cNvPr>
+          <p:cNvSpPr/>
+          <p:nvPr/>
+        </p:nvSpPr>
+        <p:spPr>
+          <a:xfrm>
+            <a:off x="1367160" y="2457703"/>
+            <a:ext cx="1100831" cy="1083076"/>
+          </a:xfrm>
+          <a:prstGeom prst="ellipse">
+            <a:avLst/>
+          </a:prstGeom>
+          <a:noFill/>
+          <a:ln>
+            <a:noFill/>
+          </a:ln>
+        </p:spPr>
+        <p:style>
+          <a:lnRef idx="2">
+            <a:schemeClr val="accent1">
+              <a:shade val="50000"/>
+            </a:schemeClr>
+          </a:lnRef>
+          <a:fillRef idx="1">
+            <a:schemeClr val="accent1"/>
+          </a:fillRef>
+          <a:effectRef idx="0">
+            <a:schemeClr val="accent1"/>
+          </a:effectRef>
+          <a:fontRef idx="minor">
+            <a:schemeClr val="lt1"/>
+          </a:fontRef>
+        </p:style>
+        <p:txBody>
+          <a:bodyPr rtlCol="0" anchor="ctr"/>
+          <a:lstStyle/>
+          <a:p>
+            <a:pPr algn="ctr"/>
+            <a:endParaRPr lang="en-US"/>
+          </a:p>
+        </p:txBody>
+      </p:sp>
+      <p:pic>
+        <p:nvPicPr>
+          <p:cNvPr id="8" name="Picture 7" descr="A group of colorful circles on a black background&#10;&#10;Description automatically generated">
+            <a:extLst>
+              <a:ext uri="{FF2B5EF4-FFF2-40B4-BE49-F238E27FC236}">
+                <a16:creationId xmlns:a16="http://schemas.microsoft.com/office/drawing/2014/main" id="{58BC4062-96DD-BAAC-6008-A8657B1F5DB0}"/>
+              </a:ext>
+            </a:extLst>
+          </p:cNvPr>
+          <p:cNvPicPr>
+            <a:picLocks noChangeAspect="1"/>
+          </p:cNvPicPr>
+          <p:nvPr/>
+        </p:nvPicPr>
+        <p:blipFill>
+          <a:blip r:embed="rId4"/>
+          <a:stretch>
+            <a:fillRect/>
+          </a:stretch>
+        </p:blipFill>
+        <p:spPr>
+          <a:xfrm rot="3392034">
+            <a:off x="933977" y="312824"/>
+            <a:ext cx="3633969" cy="3703320"/>
+          </a:xfrm>
+          <a:prstGeom prst="rect">
+            <a:avLst/>
+          </a:prstGeom>
+        </p:spPr>
+      </p:pic>
+      <p:sp>
+        <p:nvSpPr>
+          <p:cNvPr id="2" name="Oval 1">
+            <a:hlinkClick r:id="rId5" action="ppaction://hlinksldjump"/>
+            <a:extLst>
+              <a:ext uri="{FF2B5EF4-FFF2-40B4-BE49-F238E27FC236}">
+                <a16:creationId xmlns:a16="http://schemas.microsoft.com/office/drawing/2014/main" id="{6D79C235-762B-BF09-60FD-D5AD44888218}"/>
+              </a:ext>
+            </a:extLst>
+          </p:cNvPr>
+          <p:cNvSpPr/>
+          <p:nvPr/>
+        </p:nvSpPr>
+        <p:spPr>
+          <a:xfrm>
+            <a:off x="2467991" y="2453000"/>
+            <a:ext cx="6057900" cy="3250907"/>
+          </a:xfrm>
+          <a:prstGeom prst="ellipse">
+            <a:avLst/>
+          </a:prstGeom>
+          <a:solidFill>
+            <a:srgbClr val="FDAB00"/>
+          </a:solidFill>
+          <a:ln w="76200">
+            <a:solidFill>
+              <a:schemeClr val="tx1"/>
+            </a:solidFill>
+          </a:ln>
+        </p:spPr>
+        <p:style>
+          <a:lnRef idx="2">
+            <a:schemeClr val="accent1">
+              <a:shade val="50000"/>
+            </a:schemeClr>
+          </a:lnRef>
+          <a:fillRef idx="1">
+            <a:schemeClr val="accent1"/>
+          </a:fillRef>
+          <a:effectRef idx="0">
+            <a:schemeClr val="accent1"/>
+          </a:effectRef>
+          <a:fontRef idx="minor">
+            <a:schemeClr val="lt1"/>
+          </a:fontRef>
+        </p:style>
+        <p:txBody>
+          <a:bodyPr rtlCol="0" anchor="ctr"/>
+          <a:lstStyle/>
+          <a:p>
+            <a:pPr algn="ctr"/>
+            <a:r>
+              <a:rPr lang="en-US" sz="9600" dirty="0">
+                <a:solidFill>
+                  <a:schemeClr val="tx1"/>
+                </a:solidFill>
+              </a:rPr>
+              <a:t>YOU</a:t>
+            </a:r>
+          </a:p>
+        </p:txBody>
+      </p:sp>
+    </p:spTree>
+    <p:extLst>
+      <p:ext uri="{BB962C8B-B14F-4D97-AF65-F5344CB8AC3E}">
+        <p14:creationId xmlns:p14="http://schemas.microsoft.com/office/powerpoint/2010/main" val="2733931835"/>
+      </p:ext>
+    </p:extLst>
+  </p:cSld>
+  <p:clrMapOvr>
+    <a:masterClrMapping/>
+  </p:clrMapOvr>
+  <mc:AlternateContent xmlns:mc="http://schemas.openxmlformats.org/markup-compatibility/2006">
+    <mc:Choice xmlns:p159="http://schemas.microsoft.com/office/powerpoint/2015/09/main" Requires="p159">
+      <p:transition spd="slow">
+        <p159:morph option="byObject"/>
+      </p:transition>
+    </mc:Choice>
+    <mc:Fallback>
       <p:transition spd="slow">
         <p:fade/>
       </p:transition>
